--- a/HongsyunJi_weekly_report_w142.pptx
+++ b/HongsyunJi_weekly_report_w142.pptx
@@ -15,10 +15,10 @@
     <p:sldId id="1279" r:id="rId3"/>
     <p:sldId id="1276" r:id="rId4"/>
     <p:sldId id="1284" r:id="rId5"/>
-    <p:sldId id="1283" r:id="rId6"/>
-    <p:sldId id="1285" r:id="rId7"/>
-    <p:sldId id="1286" r:id="rId8"/>
-    <p:sldId id="1287" r:id="rId9"/>
+    <p:sldId id="1286" r:id="rId6"/>
+    <p:sldId id="1287" r:id="rId7"/>
+    <p:sldId id="1285" r:id="rId8"/>
+    <p:sldId id="1283" r:id="rId9"/>
     <p:sldId id="1188" r:id="rId10"/>
     <p:sldId id="1190" r:id="rId11"/>
     <p:sldId id="1281" r:id="rId12"/>
@@ -7145,13 +7145,8 @@
           <a:p>
             <a:r>
               <a:rPr lang="en-US" altLang="zh-TW" dirty="0" smtClean="0"/>
-              <a:t>Date </a:t>
+              <a:t>Date 2021.10.14</a:t>
             </a:r>
-            <a:r>
-              <a:rPr lang="en-US" altLang="zh-TW" dirty="0" smtClean="0"/>
-              <a:t>2021.10.14</a:t>
-            </a:r>
-            <a:endParaRPr lang="en-US" altLang="zh-TW" dirty="0" smtClean="0"/>
           </a:p>
         </p:txBody>
       </p:sp>
@@ -17729,14 +17724,14 @@
             <p:ph sz="quarter" idx="22"/>
             <p:extLst>
               <p:ext uri="{D42A27DB-BD31-4B8C-83A1-F6EECF244321}">
-                <p14:modId xmlns:p14="http://schemas.microsoft.com/office/powerpoint/2010/main" val="1697137650"/>
+                <p14:modId xmlns:p14="http://schemas.microsoft.com/office/powerpoint/2010/main" val="2458093384"/>
               </p:ext>
             </p:extLst>
           </p:nvPr>
         </p:nvGraphicFramePr>
         <p:xfrm>
           <a:off x="609214" y="906565"/>
-          <a:ext cx="7698201" cy="3978270"/>
+          <a:ext cx="7698201" cy="3042270"/>
         </p:xfrm>
         <a:graphic>
           <a:graphicData uri="http://schemas.openxmlformats.org/drawingml/2006/table">
@@ -17745,12 +17740,48 @@
                 <a:tableStyleId>{5C22544A-7EE6-4342-B048-85BDC9FD1C3A}</a:tableStyleId>
               </a:tblPr>
               <a:tblGrid>
-                <a:gridCol w="2315186"/>
-                <a:gridCol w="664127"/>
-                <a:gridCol w="664127"/>
-                <a:gridCol w="664127"/>
-                <a:gridCol w="664127"/>
-                <a:gridCol w="2726507"/>
+                <a:gridCol w="2315186">
+                  <a:extLst>
+                    <a:ext uri="{9D8B030D-6E8A-4147-A177-3AD203B41FA5}">
+                      <a16:colId xmlns:a16="http://schemas.microsoft.com/office/drawing/2014/main" val="20000"/>
+                    </a:ext>
+                  </a:extLst>
+                </a:gridCol>
+                <a:gridCol w="664127">
+                  <a:extLst>
+                    <a:ext uri="{9D8B030D-6E8A-4147-A177-3AD203B41FA5}">
+                      <a16:colId xmlns:a16="http://schemas.microsoft.com/office/drawing/2014/main" val="20001"/>
+                    </a:ext>
+                  </a:extLst>
+                </a:gridCol>
+                <a:gridCol w="664127">
+                  <a:extLst>
+                    <a:ext uri="{9D8B030D-6E8A-4147-A177-3AD203B41FA5}">
+                      <a16:colId xmlns:a16="http://schemas.microsoft.com/office/drawing/2014/main" val="20002"/>
+                    </a:ext>
+                  </a:extLst>
+                </a:gridCol>
+                <a:gridCol w="664127">
+                  <a:extLst>
+                    <a:ext uri="{9D8B030D-6E8A-4147-A177-3AD203B41FA5}">
+                      <a16:colId xmlns:a16="http://schemas.microsoft.com/office/drawing/2014/main" val="20003"/>
+                    </a:ext>
+                  </a:extLst>
+                </a:gridCol>
+                <a:gridCol w="664127">
+                  <a:extLst>
+                    <a:ext uri="{9D8B030D-6E8A-4147-A177-3AD203B41FA5}">
+                      <a16:colId xmlns:a16="http://schemas.microsoft.com/office/drawing/2014/main" val="20004"/>
+                    </a:ext>
+                  </a:extLst>
+                </a:gridCol>
+                <a:gridCol w="2726507">
+                  <a:extLst>
+                    <a:ext uri="{9D8B030D-6E8A-4147-A177-3AD203B41FA5}">
+                      <a16:colId xmlns:a16="http://schemas.microsoft.com/office/drawing/2014/main" val="20005"/>
+                    </a:ext>
+                  </a:extLst>
+                </a:gridCol>
               </a:tblGrid>
               <a:tr h="216000">
                 <a:tc rowSpan="2">
@@ -18046,6 +18077,11 @@
                     </a:gradFill>
                   </a:tcPr>
                 </a:tc>
+                <a:extLst>
+                  <a:ext uri="{0D108BD9-81ED-4DB2-BD59-A6C34878D82A}">
+                    <a16:rowId xmlns:a16="http://schemas.microsoft.com/office/drawing/2014/main" val="10000"/>
+                  </a:ext>
+                </a:extLst>
               </a:tr>
               <a:tr h="216000">
                 <a:tc vMerge="1">
@@ -18137,8 +18173,15 @@
                           <a:latin typeface="Gill Sans MT" panose="020B0502020104020203" pitchFamily="34" charset="0"/>
                           <a:ea typeface="微軟正黑體" panose="020B0604030504040204" pitchFamily="34" charset="-120"/>
                         </a:rPr>
-                        <a:t>W137</a:t>
+                        <a:t>W141</a:t>
                       </a:r>
+                      <a:endParaRPr lang="en-US" altLang="zh-TW" sz="1200" b="1" i="0" dirty="0" smtClean="0">
+                        <a:solidFill>
+                          <a:schemeClr val="bg1"/>
+                        </a:solidFill>
+                        <a:latin typeface="Gill Sans MT" panose="020B0502020104020203" pitchFamily="34" charset="0"/>
+                        <a:ea typeface="微軟正黑體" panose="020B0604030504040204" pitchFamily="34" charset="-120"/>
+                      </a:endParaRPr>
                     </a:p>
                   </a:txBody>
                   <a:tcPr anchor="ctr">
@@ -18201,8 +18244,15 @@
                           <a:latin typeface="Gill Sans MT" panose="020B0502020104020203" pitchFamily="34" charset="0"/>
                           <a:ea typeface="微軟正黑體" panose="020B0604030504040204" pitchFamily="34" charset="-120"/>
                         </a:rPr>
-                        <a:t>W138</a:t>
+                        <a:t>W142</a:t>
                       </a:r>
+                      <a:endParaRPr lang="en-US" altLang="zh-TW" sz="1200" b="1" i="0" dirty="0" smtClean="0">
+                        <a:solidFill>
+                          <a:schemeClr val="bg1"/>
+                        </a:solidFill>
+                        <a:latin typeface="Gill Sans MT" panose="020B0502020104020203" pitchFamily="34" charset="0"/>
+                        <a:ea typeface="微軟正黑體" panose="020B0604030504040204" pitchFamily="34" charset="-120"/>
+                      </a:endParaRPr>
                     </a:p>
                   </a:txBody>
                   <a:tcPr anchor="ctr">
@@ -18265,8 +18315,15 @@
                           <a:latin typeface="Gill Sans MT" panose="020B0502020104020203" pitchFamily="34" charset="0"/>
                           <a:ea typeface="微軟正黑體" panose="020B0604030504040204" pitchFamily="34" charset="-120"/>
                         </a:rPr>
-                        <a:t>W139</a:t>
+                        <a:t>W143</a:t>
                       </a:r>
+                      <a:endParaRPr lang="en-US" altLang="zh-TW" sz="1200" b="1" i="0" dirty="0" smtClean="0">
+                        <a:solidFill>
+                          <a:schemeClr val="bg1"/>
+                        </a:solidFill>
+                        <a:latin typeface="Gill Sans MT" panose="020B0502020104020203" pitchFamily="34" charset="0"/>
+                        <a:ea typeface="微軟正黑體" panose="020B0604030504040204" pitchFamily="34" charset="-120"/>
+                      </a:endParaRPr>
                     </a:p>
                   </a:txBody>
                   <a:tcPr anchor="ctr">
@@ -18329,8 +18386,15 @@
                           <a:latin typeface="Gill Sans MT" panose="020B0502020104020203" pitchFamily="34" charset="0"/>
                           <a:ea typeface="微軟正黑體" panose="020B0604030504040204" pitchFamily="34" charset="-120"/>
                         </a:rPr>
-                        <a:t>W140</a:t>
+                        <a:t>W144</a:t>
                       </a:r>
+                      <a:endParaRPr lang="en-US" altLang="zh-TW" sz="1200" b="1" i="0" dirty="0" smtClean="0">
+                        <a:solidFill>
+                          <a:schemeClr val="bg1"/>
+                        </a:solidFill>
+                        <a:latin typeface="Gill Sans MT" panose="020B0502020104020203" pitchFamily="34" charset="0"/>
+                        <a:ea typeface="微軟正黑體" panose="020B0604030504040204" pitchFamily="34" charset="-120"/>
+                      </a:endParaRPr>
                     </a:p>
                   </a:txBody>
                   <a:tcPr anchor="ctr">
@@ -18453,6 +18517,11 @@
                     </a:gradFill>
                   </a:tcPr>
                 </a:tc>
+                <a:extLst>
+                  <a:ext uri="{0D108BD9-81ED-4DB2-BD59-A6C34878D82A}">
+                    <a16:rowId xmlns:a16="http://schemas.microsoft.com/office/drawing/2014/main" val="10001"/>
+                  </a:ext>
+                </a:extLst>
               </a:tr>
               <a:tr h="777240">
                 <a:tc>
@@ -18478,12 +18547,16 @@
                         <a:defRPr/>
                       </a:pPr>
                       <a:r>
-                        <a:rPr lang="zh-TW" altLang="en-US" sz="1000" dirty="0" smtClean="0">
+                        <a:rPr lang="en-US" altLang="zh-TW" sz="1000" dirty="0" smtClean="0">
                           <a:latin typeface="Gill Sans MT" panose="020B0502020104020203" pitchFamily="34" charset="0"/>
                           <a:ea typeface="微軟正黑體" panose="020B0604030504040204" pitchFamily="34" charset="-120"/>
                         </a:rPr>
-                        <a:t>資料集準備</a:t>
+                        <a:t>Issue handle</a:t>
                       </a:r>
+                      <a:endParaRPr lang="zh-TW" altLang="en-US" sz="1000" dirty="0" smtClean="0">
+                        <a:latin typeface="Gill Sans MT" panose="020B0502020104020203" pitchFamily="34" charset="0"/>
+                        <a:ea typeface="微軟正黑體" panose="020B0604030504040204" pitchFamily="34" charset="-120"/>
+                      </a:endParaRPr>
                     </a:p>
                   </a:txBody>
                   <a:tcPr anchor="ctr">
@@ -18770,7 +18843,7 @@
                         <a:buAutoNum type="arabicPeriod"/>
                       </a:pPr>
                       <a:r>
-                        <a:rPr lang="en-US" altLang="zh-TW" sz="1000" b="0" strike="noStrike" dirty="0" err="1" smtClean="0">
+                        <a:rPr lang="zh-TW" altLang="en-US" sz="1000" b="0" strike="noStrike" dirty="0" smtClean="0">
                           <a:solidFill>
                             <a:schemeClr val="tx1"/>
                           </a:solidFill>
@@ -18778,7 +18851,57 @@
                           <a:latin typeface="Gill Sans MT" panose="020B0502020104020203" pitchFamily="34" charset="0"/>
                           <a:ea typeface="微軟正黑體" panose="020B0604030504040204" pitchFamily="34" charset="-120"/>
                         </a:rPr>
-                        <a:t>PreTrain</a:t>
+                        <a:t>檔名路徑太長複製問題</a:t>
+                      </a:r>
+                      <a:endParaRPr lang="en-US" altLang="zh-TW" sz="1000" b="0" strike="noStrike" dirty="0" smtClean="0">
+                        <a:solidFill>
+                          <a:schemeClr val="tx1"/>
+                        </a:solidFill>
+                        <a:effectLst/>
+                        <a:latin typeface="Gill Sans MT" panose="020B0502020104020203" pitchFamily="34" charset="0"/>
+                        <a:ea typeface="微軟正黑體" panose="020B0604030504040204" pitchFamily="34" charset="-120"/>
+                      </a:endParaRPr>
+                    </a:p>
+                    <a:p>
+                      <a:pPr marL="180000" indent="-180000">
+                        <a:buFont typeface="+mj-lt"/>
+                        <a:buAutoNum type="arabicPeriod"/>
+                      </a:pPr>
+                      <a:r>
+                        <a:rPr lang="zh-TW" altLang="en-US" sz="1000" b="0" strike="noStrike" dirty="0" smtClean="0">
+                          <a:solidFill>
+                            <a:schemeClr val="tx1"/>
+                          </a:solidFill>
+                          <a:effectLst/>
+                          <a:latin typeface="Gill Sans MT" panose="020B0502020104020203" pitchFamily="34" charset="0"/>
+                          <a:ea typeface="微軟正黑體" panose="020B0604030504040204" pitchFamily="34" charset="-120"/>
+                        </a:rPr>
+                        <a:t>資料每類保留固定張數</a:t>
+                      </a:r>
+                      <a:endParaRPr lang="en-US" altLang="zh-TW" sz="1000" b="0" strike="noStrike" dirty="0" smtClean="0">
+                        <a:solidFill>
+                          <a:schemeClr val="tx1"/>
+                        </a:solidFill>
+                        <a:effectLst/>
+                        <a:latin typeface="Gill Sans MT" panose="020B0502020104020203" pitchFamily="34" charset="0"/>
+                        <a:ea typeface="微軟正黑體" panose="020B0604030504040204" pitchFamily="34" charset="-120"/>
+                      </a:endParaRPr>
+                    </a:p>
+                    <a:p>
+                      <a:pPr marL="180000" indent="-180000">
+                        <a:buFont typeface="+mj-lt"/>
+                        <a:buAutoNum type="arabicPeriod"/>
+                      </a:pPr>
+                      <a:r>
+                        <a:rPr lang="zh-TW" altLang="en-US" sz="1000" b="0" strike="noStrike" dirty="0" smtClean="0">
+                          <a:solidFill>
+                            <a:schemeClr val="tx1"/>
+                          </a:solidFill>
+                          <a:effectLst/>
+                          <a:latin typeface="Gill Sans MT" panose="020B0502020104020203" pitchFamily="34" charset="0"/>
+                          <a:ea typeface="微軟正黑體" panose="020B0604030504040204" pitchFamily="34" charset="-120"/>
+                        </a:rPr>
+                        <a:t>每對 </a:t>
                       </a:r>
                       <a:r>
                         <a:rPr lang="en-US" altLang="zh-TW" sz="1000" b="0" strike="noStrike" dirty="0" smtClean="0">
@@ -18789,35 +18912,7 @@
                           <a:latin typeface="Gill Sans MT" panose="020B0502020104020203" pitchFamily="34" charset="0"/>
                           <a:ea typeface="微軟正黑體" panose="020B0604030504040204" pitchFamily="34" charset="-120"/>
                         </a:rPr>
-                        <a:t> Weight</a:t>
-                      </a:r>
-                    </a:p>
-                    <a:p>
-                      <a:pPr marL="180000" indent="-180000">
-                        <a:buFont typeface="+mj-lt"/>
-                        <a:buAutoNum type="arabicPeriod"/>
-                      </a:pPr>
-                      <a:r>
-                        <a:rPr lang="en-US" altLang="zh-TW" sz="1000" b="0" strike="noStrike" dirty="0" smtClean="0">
-                          <a:solidFill>
-                            <a:schemeClr val="tx1"/>
-                          </a:solidFill>
-                          <a:effectLst/>
-                          <a:latin typeface="Gill Sans MT" panose="020B0502020104020203" pitchFamily="34" charset="0"/>
-                          <a:ea typeface="微軟正黑體" panose="020B0604030504040204" pitchFamily="34" charset="-120"/>
-                        </a:rPr>
-                        <a:t>Job </a:t>
-                      </a:r>
-                      <a:r>
-                        <a:rPr lang="en-US" altLang="zh-TW" sz="1000" b="0" strike="noStrike" dirty="0" err="1" smtClean="0">
-                          <a:solidFill>
-                            <a:schemeClr val="tx1"/>
-                          </a:solidFill>
-                          <a:effectLst/>
-                          <a:latin typeface="Gill Sans MT" panose="020B0502020104020203" pitchFamily="34" charset="0"/>
-                          <a:ea typeface="微軟正黑體" panose="020B0604030504040204" pitchFamily="34" charset="-120"/>
-                        </a:rPr>
-                        <a:t>Config</a:t>
+                        <a:t>TF</a:t>
                       </a:r>
                       <a:r>
                         <a:rPr lang="zh-TW" altLang="en-US" sz="1000" b="0" strike="noStrike" dirty="0" smtClean="0">
@@ -18828,7 +18923,76 @@
                           <a:latin typeface="Gill Sans MT" panose="020B0502020104020203" pitchFamily="34" charset="0"/>
                           <a:ea typeface="微軟正黑體" panose="020B0604030504040204" pitchFamily="34" charset="-120"/>
                         </a:rPr>
-                        <a:t> 盤整</a:t>
+                        <a:t> </a:t>
+                      </a:r>
+                      <a:r>
+                        <a:rPr lang="en-US" altLang="zh-TW" sz="1000" b="0" strike="noStrike" dirty="0" smtClean="0">
+                          <a:solidFill>
+                            <a:schemeClr val="tx1"/>
+                          </a:solidFill>
+                          <a:effectLst/>
+                          <a:latin typeface="Gill Sans MT" panose="020B0502020104020203" pitchFamily="34" charset="0"/>
+                          <a:ea typeface="微軟正黑體" panose="020B0604030504040204" pitchFamily="34" charset="-120"/>
+                        </a:rPr>
+                        <a:t>CLS</a:t>
+                      </a:r>
+                      <a:r>
+                        <a:rPr lang="zh-TW" altLang="en-US" sz="1000" b="0" strike="noStrike" dirty="0" smtClean="0">
+                          <a:solidFill>
+                            <a:schemeClr val="tx1"/>
+                          </a:solidFill>
+                          <a:effectLst/>
+                          <a:latin typeface="Gill Sans MT" panose="020B0502020104020203" pitchFamily="34" charset="0"/>
+                          <a:ea typeface="微軟正黑體" panose="020B0604030504040204" pitchFamily="34" charset="-120"/>
+                        </a:rPr>
+                        <a:t> </a:t>
+                      </a:r>
+                      <a:r>
+                        <a:rPr lang="en-US" altLang="zh-TW" sz="1000" b="0" strike="noStrike" dirty="0" smtClean="0">
+                          <a:solidFill>
+                            <a:schemeClr val="tx1"/>
+                          </a:solidFill>
+                          <a:effectLst/>
+                          <a:latin typeface="Gill Sans MT" panose="020B0502020104020203" pitchFamily="34" charset="0"/>
+                          <a:ea typeface="微軟正黑體" panose="020B0604030504040204" pitchFamily="34" charset="-120"/>
+                        </a:rPr>
+                        <a:t>Job</a:t>
+                      </a:r>
+                      <a:r>
+                        <a:rPr lang="zh-TW" altLang="en-US" sz="1000" b="0" strike="noStrike" dirty="0" smtClean="0">
+                          <a:solidFill>
+                            <a:schemeClr val="tx1"/>
+                          </a:solidFill>
+                          <a:effectLst/>
+                          <a:latin typeface="Gill Sans MT" panose="020B0502020104020203" pitchFamily="34" charset="0"/>
+                          <a:ea typeface="微軟正黑體" panose="020B0604030504040204" pitchFamily="34" charset="-120"/>
+                        </a:rPr>
+                        <a:t> 需同生共死</a:t>
+                      </a:r>
+                      <a:endParaRPr lang="en-US" altLang="zh-TW" sz="1000" b="0" strike="noStrike" dirty="0" smtClean="0">
+                        <a:solidFill>
+                          <a:schemeClr val="tx1"/>
+                        </a:solidFill>
+                        <a:effectLst/>
+                        <a:latin typeface="Gill Sans MT" panose="020B0502020104020203" pitchFamily="34" charset="0"/>
+                        <a:ea typeface="微軟正黑體" panose="020B0604030504040204" pitchFamily="34" charset="-120"/>
+                      </a:endParaRPr>
+                    </a:p>
+                    <a:p>
+                      <a:pPr marL="180000" indent="-180000">
+                        <a:buFont typeface="+mj-lt"/>
+                        <a:buAutoNum type="arabicPeriod"/>
+                      </a:pPr>
+                      <a:r>
+                        <a:rPr lang="zh-TW" altLang="en-US" sz="1000" b="0" strike="noStrike" dirty="0" smtClean="0">
+                          <a:solidFill>
+                            <a:schemeClr val="tx1"/>
+                          </a:solidFill>
+                          <a:effectLst/>
+                          <a:latin typeface="Gill Sans MT" panose="020B0502020104020203" pitchFamily="34" charset="0"/>
+                          <a:ea typeface="微軟正黑體" panose="020B0604030504040204" pitchFamily="34" charset="-120"/>
+                        </a:rPr>
+                        <a:t>模型對應多組產品</a:t>
                       </a:r>
                       <a:endParaRPr lang="en-US" altLang="zh-TW" sz="1000" b="0" strike="noStrike" dirty="0" smtClean="0">
                         <a:solidFill>
@@ -18886,6 +19050,11 @@
                     </a:solidFill>
                   </a:tcPr>
                 </a:tc>
+                <a:extLst>
+                  <a:ext uri="{0D108BD9-81ED-4DB2-BD59-A6C34878D82A}">
+                    <a16:rowId xmlns:a16="http://schemas.microsoft.com/office/drawing/2014/main" val="10002"/>
+                  </a:ext>
+                </a:extLst>
               </a:tr>
               <a:tr h="564330">
                 <a:tc>
@@ -18893,24 +19062,34 @@
                     <a:bodyPr/>
                     <a:lstStyle/>
                     <a:p>
-                      <a:pPr marL="228600" indent="-228600">
+                      <a:pPr marL="228600" marR="0" indent="-228600" algn="l" defTabSz="914400" rtl="0" eaLnBrk="1" fontAlgn="auto" latinLnBrk="0" hangingPunct="1">
+                        <a:lnSpc>
+                          <a:spcPct val="100000"/>
+                        </a:lnSpc>
+                        <a:spcBef>
+                          <a:spcPts val="0"/>
+                        </a:spcBef>
+                        <a:spcAft>
+                          <a:spcPts val="0"/>
+                        </a:spcAft>
+                        <a:buClrTx/>
+                        <a:buSzTx/>
                         <a:buFont typeface="+mj-lt"/>
                         <a:buAutoNum type="arabicParenR" startAt="2"/>
+                        <a:tabLst/>
+                        <a:defRPr/>
                       </a:pPr>
                       <a:r>
                         <a:rPr lang="en-US" altLang="zh-TW" sz="1000" dirty="0" smtClean="0">
                           <a:latin typeface="Gill Sans MT" panose="020B0502020104020203" pitchFamily="34" charset="0"/>
                           <a:ea typeface="微軟正黑體" panose="020B0604030504040204" pitchFamily="34" charset="-120"/>
                         </a:rPr>
-                        <a:t>XML</a:t>
+                        <a:t>Deploy API</a:t>
                       </a:r>
-                      <a:r>
-                        <a:rPr lang="zh-TW" altLang="en-US" sz="1000" dirty="0" smtClean="0">
-                          <a:latin typeface="Gill Sans MT" panose="020B0502020104020203" pitchFamily="34" charset="0"/>
-                          <a:ea typeface="微軟正黑體" panose="020B0604030504040204" pitchFamily="34" charset="-120"/>
-                        </a:rPr>
-                        <a:t>版驗證</a:t>
-                      </a:r>
+                      <a:endParaRPr lang="zh-TW" altLang="en-US" sz="1000" dirty="0" smtClean="0">
+                        <a:latin typeface="Gill Sans MT" panose="020B0502020104020203" pitchFamily="34" charset="0"/>
+                        <a:ea typeface="微軟正黑體" panose="020B0604030504040204" pitchFamily="34" charset="-120"/>
+                      </a:endParaRPr>
                     </a:p>
                   </a:txBody>
                   <a:tcPr anchor="ctr">
@@ -19269,14 +19448,44 @@
                         <a:buAutoNum type="arabicPeriod"/>
                       </a:pPr>
                       <a:r>
-                        <a:rPr lang="zh-TW" altLang="en-US" sz="1000" b="0" strike="noStrike" dirty="0" smtClean="0">
+                        <a:rPr lang="en-US" altLang="zh-TW" sz="1000" b="0" strike="noStrike" dirty="0" smtClean="0">
                           <a:solidFill>
                             <a:schemeClr val="tx1"/>
                           </a:solidFill>
                           <a:latin typeface="Gill Sans MT" panose="020B0502020104020203" pitchFamily="34" charset="0"/>
                           <a:ea typeface="微軟正黑體" panose="020B0604030504040204" pitchFamily="34" charset="-120"/>
                         </a:rPr>
-                        <a:t>多產品同時執行</a:t>
+                        <a:t>Upload file to</a:t>
+                      </a:r>
+                      <a:r>
+                        <a:rPr lang="en-US" altLang="zh-TW" sz="1000" b="0" strike="noStrike" baseline="0" dirty="0" smtClean="0">
+                          <a:solidFill>
+                            <a:schemeClr val="tx1"/>
+                          </a:solidFill>
+                          <a:latin typeface="Gill Sans MT" panose="020B0502020104020203" pitchFamily="34" charset="0"/>
+                          <a:ea typeface="微軟正黑體" panose="020B0604030504040204" pitchFamily="34" charset="-120"/>
+                        </a:rPr>
+                        <a:t> </a:t>
+                      </a:r>
+                      <a:r>
+                        <a:rPr lang="zh-TW" altLang="en-US" sz="1000" b="0" strike="noStrike" baseline="0" dirty="0" smtClean="0">
+                          <a:solidFill>
+                            <a:schemeClr val="tx1"/>
+                          </a:solidFill>
+                          <a:latin typeface="Gill Sans MT" panose="020B0502020104020203" pitchFamily="34" charset="0"/>
+                          <a:ea typeface="微軟正黑體" panose="020B0604030504040204" pitchFamily="34" charset="-120"/>
+                        </a:rPr>
+                        <a:t>中繼</a:t>
+                      </a:r>
+                      <a:r>
+                        <a:rPr lang="en-US" altLang="zh-TW" sz="1000" b="0" strike="noStrike" baseline="0" dirty="0" smtClean="0">
+                          <a:solidFill>
+                            <a:schemeClr val="tx1"/>
+                          </a:solidFill>
+                          <a:latin typeface="Gill Sans MT" panose="020B0502020104020203" pitchFamily="34" charset="0"/>
+                          <a:ea typeface="微軟正黑體" panose="020B0604030504040204" pitchFamily="34" charset="-120"/>
+                        </a:rPr>
+                        <a:t>PC</a:t>
                       </a:r>
                       <a:endParaRPr lang="en-US" altLang="zh-TW" sz="1000" b="0" strike="noStrike" dirty="0" smtClean="0">
                         <a:solidFill>
@@ -19292,14 +19501,80 @@
                         <a:buAutoNum type="arabicPeriod"/>
                       </a:pPr>
                       <a:r>
-                        <a:rPr lang="zh-TW" altLang="en-US" sz="1000" b="0" strike="noStrike" dirty="0" smtClean="0">
+                        <a:rPr lang="en-US" altLang="zh-TW" sz="1000" b="0" strike="noStrike" dirty="0" smtClean="0">
                           <a:solidFill>
                             <a:schemeClr val="tx1"/>
                           </a:solidFill>
                           <a:latin typeface="Gill Sans MT" panose="020B0502020104020203" pitchFamily="34" charset="0"/>
                           <a:ea typeface="微軟正黑體" panose="020B0604030504040204" pitchFamily="34" charset="-120"/>
                         </a:rPr>
-                        <a:t>多電腦同時執行</a:t>
+                        <a:t>Download</a:t>
+                      </a:r>
+                      <a:r>
+                        <a:rPr lang="en-US" altLang="zh-TW" sz="1000" b="0" strike="noStrike" baseline="0" dirty="0" smtClean="0">
+                          <a:solidFill>
+                            <a:schemeClr val="tx1"/>
+                          </a:solidFill>
+                          <a:latin typeface="Gill Sans MT" panose="020B0502020104020203" pitchFamily="34" charset="0"/>
+                          <a:ea typeface="微軟正黑體" panose="020B0604030504040204" pitchFamily="34" charset="-120"/>
+                        </a:rPr>
+                        <a:t> file from </a:t>
+                      </a:r>
+                      <a:r>
+                        <a:rPr lang="zh-TW" altLang="en-US" sz="1000" b="0" strike="noStrike" baseline="0" dirty="0" smtClean="0">
+                          <a:solidFill>
+                            <a:schemeClr val="tx1"/>
+                          </a:solidFill>
+                          <a:latin typeface="Gill Sans MT" panose="020B0502020104020203" pitchFamily="34" charset="0"/>
+                          <a:ea typeface="微軟正黑體" panose="020B0604030504040204" pitchFamily="34" charset="-120"/>
+                        </a:rPr>
+                        <a:t>中繼</a:t>
+                      </a:r>
+                      <a:r>
+                        <a:rPr lang="en-US" altLang="zh-TW" sz="1000" b="0" strike="noStrike" baseline="0" dirty="0" smtClean="0">
+                          <a:solidFill>
+                            <a:schemeClr val="tx1"/>
+                          </a:solidFill>
+                          <a:latin typeface="Gill Sans MT" panose="020B0502020104020203" pitchFamily="34" charset="0"/>
+                          <a:ea typeface="微軟正黑體" panose="020B0604030504040204" pitchFamily="34" charset="-120"/>
+                        </a:rPr>
+                        <a:t>PC</a:t>
+                      </a:r>
+                    </a:p>
+                    <a:p>
+                      <a:pPr marL="180000" indent="-180000">
+                        <a:buFont typeface="+mj-lt"/>
+                        <a:buAutoNum type="arabicPeriod"/>
+                      </a:pPr>
+                      <a:r>
+                        <a:rPr lang="en-US" altLang="zh-TW" sz="1000" b="0" strike="noStrike" baseline="0" dirty="0" smtClean="0">
+                          <a:solidFill>
+                            <a:schemeClr val="tx1"/>
+                          </a:solidFill>
+                          <a:latin typeface="Gill Sans MT" panose="020B0502020104020203" pitchFamily="34" charset="0"/>
+                          <a:ea typeface="微軟正黑體" panose="020B0604030504040204" pitchFamily="34" charset="-120"/>
+                        </a:rPr>
+                        <a:t>View file in </a:t>
+                      </a:r>
+                      <a:r>
+                        <a:rPr lang="zh-TW" altLang="en-US" sz="1000" b="0" strike="noStrike" baseline="0" dirty="0" smtClean="0">
+                          <a:solidFill>
+                            <a:schemeClr val="tx1"/>
+                          </a:solidFill>
+                          <a:latin typeface="Gill Sans MT" panose="020B0502020104020203" pitchFamily="34" charset="0"/>
+                          <a:ea typeface="微軟正黑體" panose="020B0604030504040204" pitchFamily="34" charset="-120"/>
+                        </a:rPr>
+                        <a:t>中繼</a:t>
+                      </a:r>
+                      <a:r>
+                        <a:rPr lang="en-US" altLang="zh-TW" sz="1000" b="0" strike="noStrike" baseline="0" dirty="0" smtClean="0">
+                          <a:solidFill>
+                            <a:schemeClr val="tx1"/>
+                          </a:solidFill>
+                          <a:latin typeface="Gill Sans MT" panose="020B0502020104020203" pitchFamily="34" charset="0"/>
+                          <a:ea typeface="微軟正黑體" panose="020B0604030504040204" pitchFamily="34" charset="-120"/>
+                        </a:rPr>
+                        <a:t>PC</a:t>
                       </a:r>
                       <a:endParaRPr lang="en-US" altLang="zh-TW" sz="1000" b="0" strike="noStrike" dirty="0" smtClean="0">
                         <a:solidFill>
@@ -19356,6 +19631,11 @@
                     </a:solidFill>
                   </a:tcPr>
                 </a:tc>
+                <a:extLst>
+                  <a:ext uri="{0D108BD9-81ED-4DB2-BD59-A6C34878D82A}">
+                    <a16:rowId xmlns:a16="http://schemas.microsoft.com/office/drawing/2014/main" val="10003"/>
+                  </a:ext>
+                </a:extLst>
               </a:tr>
               <a:tr h="540060">
                 <a:tc>
@@ -19372,15 +19652,19 @@
                           <a:latin typeface="Gill Sans MT" panose="020B0502020104020203" pitchFamily="34" charset="0"/>
                           <a:ea typeface="微軟正黑體" panose="020B0604030504040204" pitchFamily="34" charset="-120"/>
                         </a:rPr>
-                        <a:t>Deploy</a:t>
+                        <a:t>Linux</a:t>
                       </a:r>
                       <a:r>
-                        <a:rPr lang="zh-TW" altLang="en-US" sz="1000" dirty="0" smtClean="0">
+                        <a:rPr lang="en-US" altLang="zh-TW" sz="1000" baseline="0" dirty="0" smtClean="0">
                           <a:latin typeface="Gill Sans MT" panose="020B0502020104020203" pitchFamily="34" charset="0"/>
                           <a:ea typeface="微軟正黑體" panose="020B0604030504040204" pitchFamily="34" charset="-120"/>
                         </a:rPr>
-                        <a:t>方式規劃</a:t>
+                        <a:t> Environment</a:t>
                       </a:r>
+                      <a:endParaRPr lang="zh-TW" altLang="en-US" sz="1000" dirty="0" smtClean="0">
+                        <a:latin typeface="Gill Sans MT" panose="020B0502020104020203" pitchFamily="34" charset="0"/>
+                        <a:ea typeface="微軟正黑體" panose="020B0604030504040204" pitchFamily="34" charset="-120"/>
+                      </a:endParaRPr>
                     </a:p>
                   </a:txBody>
                   <a:tcPr anchor="ctr">
@@ -19739,14 +20023,34 @@
                         <a:buAutoNum type="arabicPeriod"/>
                       </a:pPr>
                       <a:r>
-                        <a:rPr lang="zh-TW" altLang="en-US" sz="1000" b="0" strike="noStrike" dirty="0" smtClean="0">
+                        <a:rPr lang="en-US" altLang="zh-TW" sz="1000" b="0" strike="noStrike" baseline="0" dirty="0" smtClean="0">
                           <a:solidFill>
                             <a:schemeClr val="tx1"/>
                           </a:solidFill>
                           <a:latin typeface="Gill Sans MT" panose="020B0502020104020203" pitchFamily="34" charset="0"/>
                           <a:ea typeface="微軟正黑體" panose="020B0604030504040204" pitchFamily="34" charset="-120"/>
                         </a:rPr>
-                        <a:t>自動更新模型流程</a:t>
+                        <a:t>Retrain Requirement</a:t>
+                      </a:r>
+                      <a:r>
+                        <a:rPr lang="zh-TW" altLang="en-US" sz="1000" b="0" strike="noStrike" baseline="0" dirty="0" smtClean="0">
+                          <a:solidFill>
+                            <a:schemeClr val="tx1"/>
+                          </a:solidFill>
+                          <a:latin typeface="Gill Sans MT" panose="020B0502020104020203" pitchFamily="34" charset="0"/>
+                          <a:ea typeface="微軟正黑體" panose="020B0604030504040204" pitchFamily="34" charset="-120"/>
+                        </a:rPr>
+                        <a:t> </a:t>
+                      </a:r>
+                      <a:r>
+                        <a:rPr lang="en-US" altLang="zh-TW" sz="1000" b="0" strike="noStrike" baseline="0" dirty="0" smtClean="0">
+                          <a:solidFill>
+                            <a:schemeClr val="tx1"/>
+                          </a:solidFill>
+                          <a:latin typeface="Gill Sans MT" panose="020B0502020104020203" pitchFamily="34" charset="0"/>
+                          <a:ea typeface="微軟正黑體" panose="020B0604030504040204" pitchFamily="34" charset="-120"/>
+                        </a:rPr>
+                        <a:t>for 3090</a:t>
                       </a:r>
                       <a:endParaRPr lang="en-US" altLang="zh-TW" sz="1000" b="0" strike="noStrike" dirty="0" smtClean="0">
                         <a:solidFill>
@@ -19803,6 +20107,11 @@
                     </a:solidFill>
                   </a:tcPr>
                 </a:tc>
+                <a:extLst>
+                  <a:ext uri="{0D108BD9-81ED-4DB2-BD59-A6C34878D82A}">
+                    <a16:rowId xmlns:a16="http://schemas.microsoft.com/office/drawing/2014/main" val="10004"/>
+                  </a:ext>
+                </a:extLst>
               </a:tr>
               <a:tr h="612000">
                 <a:tc>
@@ -19815,12 +20124,30 @@
                         <a:buAutoNum type="arabicParenR" startAt="4"/>
                       </a:pPr>
                       <a:r>
-                        <a:rPr lang="zh-TW" altLang="en-US" sz="1000" dirty="0" smtClean="0">
+                        <a:rPr lang="en-US" altLang="zh-TW" sz="1000" dirty="0" smtClean="0">
                           <a:latin typeface="Gill Sans MT" panose="020B0502020104020203" pitchFamily="34" charset="0"/>
                           <a:ea typeface="微軟正黑體" panose="020B0604030504040204" pitchFamily="34" charset="-120"/>
                         </a:rPr>
-                        <a:t>多人開發環境</a:t>
+                        <a:t>Docker</a:t>
                       </a:r>
+                      <a:r>
+                        <a:rPr lang="en-US" altLang="zh-TW" sz="1000" baseline="0" dirty="0" smtClean="0">
+                          <a:latin typeface="Gill Sans MT" panose="020B0502020104020203" pitchFamily="34" charset="0"/>
+                          <a:ea typeface="微軟正黑體" panose="020B0604030504040204" pitchFamily="34" charset="-120"/>
+                        </a:rPr>
+                        <a:t> </a:t>
+                      </a:r>
+                      <a:r>
+                        <a:rPr lang="en-US" altLang="zh-TW" sz="1000" dirty="0" smtClean="0">
+                          <a:latin typeface="Gill Sans MT" panose="020B0502020104020203" pitchFamily="34" charset="0"/>
+                          <a:ea typeface="微軟正黑體" panose="020B0604030504040204" pitchFamily="34" charset="-120"/>
+                        </a:rPr>
+                        <a:t>Image Automation</a:t>
+                      </a:r>
+                      <a:endParaRPr lang="zh-TW" altLang="en-US" sz="1000" dirty="0" smtClean="0">
+                        <a:latin typeface="Gill Sans MT" panose="020B0502020104020203" pitchFamily="34" charset="0"/>
+                        <a:ea typeface="微軟正黑體" panose="020B0604030504040204" pitchFamily="34" charset="-120"/>
+                      </a:endParaRPr>
                     </a:p>
                   </a:txBody>
                   <a:tcPr anchor="ctr">
@@ -20179,16 +20506,6 @@
                         <a:buAutoNum type="arabicPeriod"/>
                       </a:pPr>
                       <a:r>
-                        <a:rPr lang="zh-TW" altLang="en-US" sz="1000" b="0" strike="noStrike" dirty="0" smtClean="0">
-                          <a:solidFill>
-                            <a:schemeClr val="tx1"/>
-                          </a:solidFill>
-                          <a:latin typeface="Gill Sans MT" panose="020B0502020104020203" pitchFamily="34" charset="0"/>
-                          <a:ea typeface="微軟正黑體" panose="020B0604030504040204" pitchFamily="34" charset="-120"/>
-                        </a:rPr>
-                        <a:t>環境符合</a:t>
-                      </a:r>
-                      <a:r>
                         <a:rPr lang="en-US" altLang="zh-TW" sz="1000" b="0" strike="noStrike" dirty="0" smtClean="0">
                           <a:solidFill>
                             <a:schemeClr val="tx1"/>
@@ -20196,40 +20513,17 @@
                           <a:latin typeface="Gill Sans MT" panose="020B0502020104020203" pitchFamily="34" charset="0"/>
                           <a:ea typeface="微軟正黑體" panose="020B0604030504040204" pitchFamily="34" charset="-120"/>
                         </a:rPr>
-                        <a:t>PEP5</a:t>
+                        <a:t>Run retrain</a:t>
                       </a:r>
                       <a:r>
-                        <a:rPr lang="zh-TW" altLang="en-US" sz="1000" b="0" strike="noStrike" dirty="0" smtClean="0">
+                        <a:rPr lang="en-US" altLang="zh-TW" sz="1000" b="0" strike="noStrike" baseline="0" dirty="0" smtClean="0">
                           <a:solidFill>
                             <a:schemeClr val="tx1"/>
                           </a:solidFill>
                           <a:latin typeface="Gill Sans MT" panose="020B0502020104020203" pitchFamily="34" charset="0"/>
                           <a:ea typeface="微軟正黑體" panose="020B0604030504040204" pitchFamily="34" charset="-120"/>
                         </a:rPr>
-                        <a:t>執行條件</a:t>
-                      </a:r>
-                      <a:endParaRPr lang="en-US" altLang="zh-TW" sz="1000" b="0" strike="noStrike" dirty="0" smtClean="0">
-                        <a:solidFill>
-                          <a:schemeClr val="tx1"/>
-                        </a:solidFill>
-                        <a:latin typeface="Gill Sans MT" panose="020B0502020104020203" pitchFamily="34" charset="0"/>
-                        <a:ea typeface="微軟正黑體" panose="020B0604030504040204" pitchFamily="34" charset="-120"/>
-                      </a:endParaRPr>
-                    </a:p>
-                    <a:p>
-                      <a:pPr marL="180000" indent="-180000">
-                        <a:buFont typeface="+mj-lt"/>
-                        <a:buAutoNum type="arabicPeriod"/>
-                      </a:pPr>
-                      <a:r>
-                        <a:rPr lang="zh-TW" altLang="en-US" sz="1000" b="0" strike="noStrike" dirty="0" smtClean="0">
-                          <a:solidFill>
-                            <a:schemeClr val="tx1"/>
-                          </a:solidFill>
-                          <a:latin typeface="Gill Sans MT" panose="020B0502020104020203" pitchFamily="34" charset="0"/>
-                          <a:ea typeface="微軟正黑體" panose="020B0604030504040204" pitchFamily="34" charset="-120"/>
-                        </a:rPr>
-                        <a:t>多人開發與環境切換流程</a:t>
+                        <a:t> Job in image automatically</a:t>
                       </a:r>
                       <a:endParaRPr lang="en-US" altLang="zh-TW" sz="1000" b="0" strike="noStrike" dirty="0" smtClean="0">
                         <a:solidFill>
@@ -20286,857 +20580,11 @@
                     </a:solidFill>
                   </a:tcPr>
                 </a:tc>
-              </a:tr>
-              <a:tr h="468000">
-                <a:tc>
-                  <a:txBody>
-                    <a:bodyPr/>
-                    <a:lstStyle/>
-                    <a:p>
-                      <a:pPr marL="228600" marR="0" indent="-228600" algn="l" defTabSz="914400" rtl="0" eaLnBrk="1" fontAlgn="auto" latinLnBrk="0" hangingPunct="1">
-                        <a:lnSpc>
-                          <a:spcPct val="100000"/>
-                        </a:lnSpc>
-                        <a:spcBef>
-                          <a:spcPts val="0"/>
-                        </a:spcBef>
-                        <a:spcAft>
-                          <a:spcPts val="0"/>
-                        </a:spcAft>
-                        <a:buClrTx/>
-                        <a:buSzTx/>
-                        <a:buFont typeface="+mj-lt"/>
-                        <a:buAutoNum type="arabicParenR" startAt="5"/>
-                        <a:tabLst/>
-                        <a:defRPr/>
-                      </a:pPr>
-                      <a:r>
-                        <a:rPr lang="en-US" altLang="zh-TW" sz="1000" dirty="0" smtClean="0">
-                          <a:latin typeface="Gill Sans MT" panose="020B0502020104020203" pitchFamily="34" charset="0"/>
-                          <a:ea typeface="微軟正黑體" panose="020B0604030504040204" pitchFamily="34" charset="-120"/>
-                        </a:rPr>
-                        <a:t>Deploy API </a:t>
-                      </a:r>
-                      <a:r>
-                        <a:rPr lang="zh-TW" altLang="en-US" sz="1000" dirty="0" smtClean="0">
-                          <a:latin typeface="Gill Sans MT" panose="020B0502020104020203" pitchFamily="34" charset="0"/>
-                          <a:ea typeface="微軟正黑體" panose="020B0604030504040204" pitchFamily="34" charset="-120"/>
-                        </a:rPr>
-                        <a:t>開發</a:t>
-                      </a:r>
-                    </a:p>
-                  </a:txBody>
-                  <a:tcPr anchor="ctr">
-                    <a:lnL w="12700" cap="flat" cmpd="sng" algn="ctr">
-                      <a:noFill/>
-                      <a:prstDash val="solid"/>
-                      <a:round/>
-                      <a:headEnd type="none" w="med" len="med"/>
-                      <a:tailEnd type="none" w="med" len="med"/>
-                    </a:lnL>
-                    <a:lnR w="12700" cap="flat" cmpd="sng" algn="ctr">
-                      <a:noFill/>
-                      <a:prstDash val="solid"/>
-                      <a:round/>
-                      <a:headEnd type="none" w="med" len="med"/>
-                      <a:tailEnd type="none" w="med" len="med"/>
-                    </a:lnR>
-                    <a:lnT w="12700" cap="flat" cmpd="sng" algn="ctr">
-                      <a:solidFill>
-                        <a:schemeClr val="tx1"/>
-                      </a:solidFill>
-                      <a:prstDash val="solid"/>
-                      <a:round/>
-                      <a:headEnd type="none" w="med" len="med"/>
-                      <a:tailEnd type="none" w="med" len="med"/>
-                    </a:lnT>
-                    <a:lnB w="12700" cap="flat" cmpd="sng" algn="ctr">
-                      <a:solidFill>
-                        <a:schemeClr val="tx1"/>
-                      </a:solidFill>
-                      <a:prstDash val="solid"/>
-                      <a:round/>
-                      <a:headEnd type="none" w="med" len="med"/>
-                      <a:tailEnd type="none" w="med" len="med"/>
-                    </a:lnB>
-                    <a:lnTlToBr w="12700" cmpd="sng">
-                      <a:noFill/>
-                      <a:prstDash val="solid"/>
-                    </a:lnTlToBr>
-                    <a:lnBlToTr w="12700" cmpd="sng">
-                      <a:noFill/>
-                      <a:prstDash val="solid"/>
-                    </a:lnBlToTr>
-                    <a:solidFill>
-                      <a:srgbClr val="E9F1F5"/>
-                    </a:solidFill>
-                  </a:tcPr>
-                </a:tc>
-                <a:tc>
-                  <a:txBody>
-                    <a:bodyPr/>
-                    <a:lstStyle/>
-                    <a:p>
-                      <a:endParaRPr lang="zh-TW" altLang="zh-TW" sz="1100" dirty="0" smtClean="0">
-                        <a:effectLst/>
-                        <a:latin typeface="Gill Sans MT" panose="020B0502020104020203" pitchFamily="34" charset="0"/>
-                        <a:ea typeface="微軟正黑體" panose="020B0604030504040204" pitchFamily="34" charset="-120"/>
-                      </a:endParaRPr>
-                    </a:p>
-                  </a:txBody>
-                  <a:tcPr anchor="ctr">
-                    <a:lnL w="12700" cap="flat" cmpd="sng" algn="ctr">
-                      <a:noFill/>
-                      <a:prstDash val="solid"/>
-                      <a:round/>
-                      <a:headEnd type="none" w="med" len="med"/>
-                      <a:tailEnd type="none" w="med" len="med"/>
-                    </a:lnL>
-                    <a:lnR w="12700" cap="flat" cmpd="sng" algn="ctr">
-                      <a:noFill/>
-                      <a:prstDash val="solid"/>
-                      <a:round/>
-                      <a:headEnd type="none" w="med" len="med"/>
-                      <a:tailEnd type="none" w="med" len="med"/>
-                    </a:lnR>
-                    <a:lnT w="12700" cap="flat" cmpd="sng" algn="ctr">
-                      <a:solidFill>
-                        <a:schemeClr val="tx1"/>
-                      </a:solidFill>
-                      <a:prstDash val="solid"/>
-                      <a:round/>
-                      <a:headEnd type="none" w="med" len="med"/>
-                      <a:tailEnd type="none" w="med" len="med"/>
-                    </a:lnT>
-                    <a:lnB w="12700" cap="flat" cmpd="sng" algn="ctr">
-                      <a:solidFill>
-                        <a:schemeClr val="tx1"/>
-                      </a:solidFill>
-                      <a:prstDash val="solid"/>
-                      <a:round/>
-                      <a:headEnd type="none" w="med" len="med"/>
-                      <a:tailEnd type="none" w="med" len="med"/>
-                    </a:lnB>
-                    <a:lnTlToBr w="12700" cmpd="sng">
-                      <a:noFill/>
-                      <a:prstDash val="solid"/>
-                    </a:lnTlToBr>
-                    <a:lnBlToTr w="12700" cmpd="sng">
-                      <a:noFill/>
-                      <a:prstDash val="solid"/>
-                    </a:lnBlToTr>
-                    <a:solidFill>
-                      <a:srgbClr val="E9F1F5"/>
-                    </a:solidFill>
-                  </a:tcPr>
-                </a:tc>
-                <a:tc>
-                  <a:txBody>
-                    <a:bodyPr/>
-                    <a:lstStyle/>
-                    <a:p>
-                      <a:endParaRPr lang="zh-TW" altLang="zh-TW" sz="1100" dirty="0" smtClean="0">
-                        <a:effectLst/>
-                        <a:latin typeface="Gill Sans MT" panose="020B0502020104020203" pitchFamily="34" charset="0"/>
-                        <a:ea typeface="微軟正黑體" panose="020B0604030504040204" pitchFamily="34" charset="-120"/>
-                      </a:endParaRPr>
-                    </a:p>
-                  </a:txBody>
-                  <a:tcPr anchor="ctr">
-                    <a:lnL w="12700" cap="flat" cmpd="sng" algn="ctr">
-                      <a:noFill/>
-                      <a:prstDash val="solid"/>
-                      <a:round/>
-                      <a:headEnd type="none" w="med" len="med"/>
-                      <a:tailEnd type="none" w="med" len="med"/>
-                    </a:lnL>
-                    <a:lnR w="12700" cap="flat" cmpd="sng" algn="ctr">
-                      <a:noFill/>
-                      <a:prstDash val="solid"/>
-                      <a:round/>
-                      <a:headEnd type="none" w="med" len="med"/>
-                      <a:tailEnd type="none" w="med" len="med"/>
-                    </a:lnR>
-                    <a:lnT w="12700" cap="flat" cmpd="sng" algn="ctr">
-                      <a:solidFill>
-                        <a:schemeClr val="tx1"/>
-                      </a:solidFill>
-                      <a:prstDash val="solid"/>
-                      <a:round/>
-                      <a:headEnd type="none" w="med" len="med"/>
-                      <a:tailEnd type="none" w="med" len="med"/>
-                    </a:lnT>
-                    <a:lnB w="12700" cap="flat" cmpd="sng" algn="ctr">
-                      <a:solidFill>
-                        <a:schemeClr val="tx1"/>
-                      </a:solidFill>
-                      <a:prstDash val="solid"/>
-                      <a:round/>
-                      <a:headEnd type="none" w="med" len="med"/>
-                      <a:tailEnd type="none" w="med" len="med"/>
-                    </a:lnB>
-                    <a:lnTlToBr w="12700" cmpd="sng">
-                      <a:noFill/>
-                      <a:prstDash val="solid"/>
-                    </a:lnTlToBr>
-                    <a:lnBlToTr w="12700" cmpd="sng">
-                      <a:noFill/>
-                      <a:prstDash val="solid"/>
-                    </a:lnBlToTr>
-                    <a:solidFill>
-                      <a:srgbClr val="E9F1F5"/>
-                    </a:solidFill>
-                  </a:tcPr>
-                </a:tc>
-                <a:tc>
-                  <a:txBody>
-                    <a:bodyPr/>
-                    <a:lstStyle/>
-                    <a:p>
-                      <a:endParaRPr lang="zh-TW" altLang="zh-TW" sz="1100" dirty="0" smtClean="0">
-                        <a:effectLst/>
-                        <a:latin typeface="Gill Sans MT" panose="020B0502020104020203" pitchFamily="34" charset="0"/>
-                        <a:ea typeface="微軟正黑體" panose="020B0604030504040204" pitchFamily="34" charset="-120"/>
-                      </a:endParaRPr>
-                    </a:p>
-                  </a:txBody>
-                  <a:tcPr anchor="ctr">
-                    <a:lnL w="12700" cap="flat" cmpd="sng" algn="ctr">
-                      <a:noFill/>
-                      <a:prstDash val="solid"/>
-                      <a:round/>
-                      <a:headEnd type="none" w="med" len="med"/>
-                      <a:tailEnd type="none" w="med" len="med"/>
-                    </a:lnL>
-                    <a:lnR w="12700" cap="flat" cmpd="sng" algn="ctr">
-                      <a:noFill/>
-                      <a:prstDash val="solid"/>
-                      <a:round/>
-                      <a:headEnd type="none" w="med" len="med"/>
-                      <a:tailEnd type="none" w="med" len="med"/>
-                    </a:lnR>
-                    <a:lnT w="12700" cap="flat" cmpd="sng" algn="ctr">
-                      <a:solidFill>
-                        <a:schemeClr val="tx1"/>
-                      </a:solidFill>
-                      <a:prstDash val="solid"/>
-                      <a:round/>
-                      <a:headEnd type="none" w="med" len="med"/>
-                      <a:tailEnd type="none" w="med" len="med"/>
-                    </a:lnT>
-                    <a:lnB w="12700" cap="flat" cmpd="sng" algn="ctr">
-                      <a:solidFill>
-                        <a:schemeClr val="tx1"/>
-                      </a:solidFill>
-                      <a:prstDash val="solid"/>
-                      <a:round/>
-                      <a:headEnd type="none" w="med" len="med"/>
-                      <a:tailEnd type="none" w="med" len="med"/>
-                    </a:lnB>
-                    <a:lnTlToBr w="12700" cmpd="sng">
-                      <a:noFill/>
-                      <a:prstDash val="solid"/>
-                    </a:lnTlToBr>
-                    <a:lnBlToTr w="12700" cmpd="sng">
-                      <a:noFill/>
-                      <a:prstDash val="solid"/>
-                    </a:lnBlToTr>
-                    <a:solidFill>
-                      <a:srgbClr val="E9F1F5"/>
-                    </a:solidFill>
-                  </a:tcPr>
-                </a:tc>
-                <a:tc>
-                  <a:txBody>
-                    <a:bodyPr/>
-                    <a:lstStyle/>
-                    <a:p>
-                      <a:endParaRPr lang="zh-TW" altLang="zh-TW" sz="1100" dirty="0" smtClean="0">
-                        <a:effectLst/>
-                        <a:latin typeface="Gill Sans MT" panose="020B0502020104020203" pitchFamily="34" charset="0"/>
-                        <a:ea typeface="微軟正黑體" panose="020B0604030504040204" pitchFamily="34" charset="-120"/>
-                      </a:endParaRPr>
-                    </a:p>
-                  </a:txBody>
-                  <a:tcPr anchor="ctr">
-                    <a:lnL w="12700" cap="flat" cmpd="sng" algn="ctr">
-                      <a:noFill/>
-                      <a:prstDash val="solid"/>
-                      <a:round/>
-                      <a:headEnd type="none" w="med" len="med"/>
-                      <a:tailEnd type="none" w="med" len="med"/>
-                    </a:lnL>
-                    <a:lnR w="12700" cap="flat" cmpd="sng" algn="ctr">
-                      <a:noFill/>
-                      <a:prstDash val="solid"/>
-                      <a:round/>
-                      <a:headEnd type="none" w="med" len="med"/>
-                      <a:tailEnd type="none" w="med" len="med"/>
-                    </a:lnR>
-                    <a:lnT w="12700" cap="flat" cmpd="sng" algn="ctr">
-                      <a:solidFill>
-                        <a:schemeClr val="tx1"/>
-                      </a:solidFill>
-                      <a:prstDash val="solid"/>
-                      <a:round/>
-                      <a:headEnd type="none" w="med" len="med"/>
-                      <a:tailEnd type="none" w="med" len="med"/>
-                    </a:lnT>
-                    <a:lnB w="12700" cap="flat" cmpd="sng" algn="ctr">
-                      <a:solidFill>
-                        <a:schemeClr val="tx1"/>
-                      </a:solidFill>
-                      <a:prstDash val="solid"/>
-                      <a:round/>
-                      <a:headEnd type="none" w="med" len="med"/>
-                      <a:tailEnd type="none" w="med" len="med"/>
-                    </a:lnB>
-                    <a:lnTlToBr w="12700" cmpd="sng">
-                      <a:noFill/>
-                      <a:prstDash val="solid"/>
-                    </a:lnTlToBr>
-                    <a:lnBlToTr w="12700" cmpd="sng">
-                      <a:noFill/>
-                      <a:prstDash val="solid"/>
-                    </a:lnBlToTr>
-                    <a:solidFill>
-                      <a:srgbClr val="E9F1F5"/>
-                    </a:solidFill>
-                  </a:tcPr>
-                </a:tc>
-                <a:tc>
-                  <a:txBody>
-                    <a:bodyPr/>
-                    <a:lstStyle/>
-                    <a:p>
-                      <a:pPr marL="180000" marR="0" indent="-180000" algn="l" defTabSz="914400" rtl="0" eaLnBrk="1" fontAlgn="auto" latinLnBrk="0" hangingPunct="1">
-                        <a:lnSpc>
-                          <a:spcPct val="100000"/>
-                        </a:lnSpc>
-                        <a:spcBef>
-                          <a:spcPts val="0"/>
-                        </a:spcBef>
-                        <a:spcAft>
-                          <a:spcPts val="0"/>
-                        </a:spcAft>
-                        <a:buClrTx/>
-                        <a:buSzTx/>
-                        <a:buFont typeface="+mj-lt"/>
-                        <a:buAutoNum type="arabicPeriod"/>
-                        <a:tabLst/>
-                        <a:defRPr/>
-                      </a:pPr>
-                      <a:r>
-                        <a:rPr lang="zh-TW" altLang="en-US" sz="1000" b="0" strike="noStrike" dirty="0" smtClean="0">
-                          <a:solidFill>
-                            <a:schemeClr val="tx1"/>
-                          </a:solidFill>
-                          <a:latin typeface="Gill Sans MT" panose="020B0502020104020203" pitchFamily="34" charset="0"/>
-                          <a:ea typeface="微軟正黑體" panose="020B0604030504040204" pitchFamily="34" charset="-120"/>
-                        </a:rPr>
-                        <a:t>讓</a:t>
-                      </a:r>
-                      <a:r>
-                        <a:rPr lang="en-US" altLang="zh-TW" sz="1000" b="0" strike="noStrike" dirty="0" smtClean="0">
-                          <a:solidFill>
-                            <a:schemeClr val="tx1"/>
-                          </a:solidFill>
-                          <a:latin typeface="Gill Sans MT" panose="020B0502020104020203" pitchFamily="34" charset="0"/>
-                          <a:ea typeface="微軟正黑體" panose="020B0604030504040204" pitchFamily="34" charset="-120"/>
-                        </a:rPr>
-                        <a:t>Weight</a:t>
-                      </a:r>
-                      <a:r>
-                        <a:rPr lang="zh-TW" altLang="en-US" sz="1000" b="0" strike="noStrike" dirty="0" smtClean="0">
-                          <a:solidFill>
-                            <a:schemeClr val="tx1"/>
-                          </a:solidFill>
-                          <a:latin typeface="Gill Sans MT" panose="020B0502020104020203" pitchFamily="34" charset="0"/>
-                          <a:ea typeface="微軟正黑體" panose="020B0604030504040204" pitchFamily="34" charset="-120"/>
-                        </a:rPr>
-                        <a:t> 透過</a:t>
-                      </a:r>
-                      <a:r>
-                        <a:rPr lang="en-US" altLang="zh-TW" sz="1000" b="0" strike="noStrike" dirty="0" smtClean="0">
-                          <a:solidFill>
-                            <a:schemeClr val="tx1"/>
-                          </a:solidFill>
-                          <a:latin typeface="Gill Sans MT" panose="020B0502020104020203" pitchFamily="34" charset="0"/>
-                          <a:ea typeface="微軟正黑體" panose="020B0604030504040204" pitchFamily="34" charset="-120"/>
-                        </a:rPr>
-                        <a:t>API</a:t>
-                      </a:r>
-                      <a:r>
-                        <a:rPr lang="zh-TW" altLang="en-US" sz="1000" b="0" strike="noStrike" dirty="0" smtClean="0">
-                          <a:solidFill>
-                            <a:schemeClr val="tx1"/>
-                          </a:solidFill>
-                          <a:latin typeface="Gill Sans MT" panose="020B0502020104020203" pitchFamily="34" charset="0"/>
-                          <a:ea typeface="微軟正黑體" panose="020B0604030504040204" pitchFamily="34" charset="-120"/>
-                        </a:rPr>
-                        <a:t>傳送到</a:t>
-                      </a:r>
-                      <a:r>
-                        <a:rPr lang="en-US" altLang="zh-TW" sz="1000" b="0" strike="noStrike" dirty="0" smtClean="0">
-                          <a:solidFill>
-                            <a:schemeClr val="tx1"/>
-                          </a:solidFill>
-                          <a:latin typeface="Gill Sans MT" panose="020B0502020104020203" pitchFamily="34" charset="0"/>
-                          <a:ea typeface="微軟正黑體" panose="020B0604030504040204" pitchFamily="34" charset="-120"/>
-                        </a:rPr>
-                        <a:t>ADT</a:t>
-                      </a:r>
-                      <a:r>
-                        <a:rPr lang="zh-TW" altLang="en-US" sz="1000" b="0" strike="noStrike" dirty="0" smtClean="0">
-                          <a:solidFill>
-                            <a:schemeClr val="tx1"/>
-                          </a:solidFill>
-                          <a:latin typeface="Gill Sans MT" panose="020B0502020104020203" pitchFamily="34" charset="0"/>
-                          <a:ea typeface="微軟正黑體" panose="020B0604030504040204" pitchFamily="34" charset="-120"/>
-                        </a:rPr>
-                        <a:t>電腦</a:t>
-                      </a:r>
-                      <a:r>
-                        <a:rPr lang="en-US" altLang="zh-TW" sz="1000" b="0" strike="noStrike" dirty="0" smtClean="0">
-                          <a:solidFill>
-                            <a:schemeClr val="tx1"/>
-                          </a:solidFill>
-                          <a:latin typeface="Gill Sans MT" panose="020B0502020104020203" pitchFamily="34" charset="0"/>
-                          <a:ea typeface="微軟正黑體" panose="020B0604030504040204" pitchFamily="34" charset="-120"/>
-                        </a:rPr>
-                        <a:t>D</a:t>
-                      </a:r>
-                      <a:r>
-                        <a:rPr lang="zh-TW" altLang="en-US" sz="1000" b="0" strike="noStrike" dirty="0" smtClean="0">
-                          <a:solidFill>
-                            <a:schemeClr val="tx1"/>
-                          </a:solidFill>
-                          <a:latin typeface="Gill Sans MT" panose="020B0502020104020203" pitchFamily="34" charset="0"/>
-                          <a:ea typeface="微軟正黑體" panose="020B0604030504040204" pitchFamily="34" charset="-120"/>
-                        </a:rPr>
-                        <a:t>槽</a:t>
-                      </a:r>
-                    </a:p>
-                  </a:txBody>
-                  <a:tcPr anchor="ctr">
-                    <a:lnL w="12700" cap="flat" cmpd="sng" algn="ctr">
-                      <a:noFill/>
-                      <a:prstDash val="solid"/>
-                      <a:round/>
-                      <a:headEnd type="none" w="med" len="med"/>
-                      <a:tailEnd type="none" w="med" len="med"/>
-                    </a:lnL>
-                    <a:lnR w="12700" cap="flat" cmpd="sng" algn="ctr">
-                      <a:noFill/>
-                      <a:prstDash val="solid"/>
-                      <a:round/>
-                      <a:headEnd type="none" w="med" len="med"/>
-                      <a:tailEnd type="none" w="med" len="med"/>
-                    </a:lnR>
-                    <a:lnT w="12700" cap="flat" cmpd="sng" algn="ctr">
-                      <a:solidFill>
-                        <a:schemeClr val="tx1"/>
-                      </a:solidFill>
-                      <a:prstDash val="solid"/>
-                      <a:round/>
-                      <a:headEnd type="none" w="med" len="med"/>
-                      <a:tailEnd type="none" w="med" len="med"/>
-                    </a:lnT>
-                    <a:lnB w="12700" cap="flat" cmpd="sng" algn="ctr">
-                      <a:solidFill>
-                        <a:schemeClr val="tx1"/>
-                      </a:solidFill>
-                      <a:prstDash val="solid"/>
-                      <a:round/>
-                      <a:headEnd type="none" w="med" len="med"/>
-                      <a:tailEnd type="none" w="med" len="med"/>
-                    </a:lnB>
-                    <a:lnTlToBr w="12700" cmpd="sng">
-                      <a:noFill/>
-                      <a:prstDash val="solid"/>
-                    </a:lnTlToBr>
-                    <a:lnBlToTr w="12700" cmpd="sng">
-                      <a:noFill/>
-                      <a:prstDash val="solid"/>
-                    </a:lnBlToTr>
-                    <a:solidFill>
-                      <a:srgbClr val="E9F1F5"/>
-                    </a:solidFill>
-                  </a:tcPr>
-                </a:tc>
-              </a:tr>
-              <a:tr h="468000">
-                <a:tc>
-                  <a:txBody>
-                    <a:bodyPr/>
-                    <a:lstStyle/>
-                    <a:p>
-                      <a:pPr marL="228600" marR="0" indent="-228600" algn="l" defTabSz="914400" rtl="0" eaLnBrk="1" fontAlgn="auto" latinLnBrk="0" hangingPunct="1">
-                        <a:lnSpc>
-                          <a:spcPct val="100000"/>
-                        </a:lnSpc>
-                        <a:spcBef>
-                          <a:spcPts val="0"/>
-                        </a:spcBef>
-                        <a:spcAft>
-                          <a:spcPts val="0"/>
-                        </a:spcAft>
-                        <a:buClrTx/>
-                        <a:buSzTx/>
-                        <a:buFont typeface="+mj-lt"/>
-                        <a:buAutoNum type="arabicParenR" startAt="6"/>
-                        <a:tabLst/>
-                        <a:defRPr/>
-                      </a:pPr>
-                      <a:endParaRPr lang="zh-TW" altLang="en-US" sz="1000" dirty="0" smtClean="0">
-                        <a:latin typeface="Gill Sans MT" panose="020B0502020104020203" pitchFamily="34" charset="0"/>
-                        <a:ea typeface="微軟正黑體" panose="020B0604030504040204" pitchFamily="34" charset="-120"/>
-                      </a:endParaRPr>
-                    </a:p>
-                  </a:txBody>
-                  <a:tcPr anchor="ctr">
-                    <a:lnL w="12700" cap="flat" cmpd="sng" algn="ctr">
-                      <a:noFill/>
-                      <a:prstDash val="solid"/>
-                      <a:round/>
-                      <a:headEnd type="none" w="med" len="med"/>
-                      <a:tailEnd type="none" w="med" len="med"/>
-                    </a:lnL>
-                    <a:lnR w="12700" cap="flat" cmpd="sng" algn="ctr">
-                      <a:noFill/>
-                      <a:prstDash val="solid"/>
-                      <a:round/>
-                      <a:headEnd type="none" w="med" len="med"/>
-                      <a:tailEnd type="none" w="med" len="med"/>
-                    </a:lnR>
-                    <a:lnT w="12700" cap="flat" cmpd="sng" algn="ctr">
-                      <a:solidFill>
-                        <a:schemeClr val="tx1"/>
-                      </a:solidFill>
-                      <a:prstDash val="solid"/>
-                      <a:round/>
-                      <a:headEnd type="none" w="med" len="med"/>
-                      <a:tailEnd type="none" w="med" len="med"/>
-                    </a:lnT>
-                    <a:lnB w="12700" cap="flat" cmpd="sng" algn="ctr">
-                      <a:noFill/>
-                      <a:prstDash val="solid"/>
-                      <a:round/>
-                      <a:headEnd type="none" w="med" len="med"/>
-                      <a:tailEnd type="none" w="med" len="med"/>
-                    </a:lnB>
-                    <a:lnTlToBr w="12700" cmpd="sng">
-                      <a:noFill/>
-                      <a:prstDash val="solid"/>
-                    </a:lnTlToBr>
-                    <a:lnBlToTr w="12700" cmpd="sng">
-                      <a:noFill/>
-                      <a:prstDash val="solid"/>
-                    </a:lnBlToTr>
-                    <a:solidFill>
-                      <a:srgbClr val="E9F1F5"/>
-                    </a:solidFill>
-                  </a:tcPr>
-                </a:tc>
-                <a:tc>
-                  <a:txBody>
-                    <a:bodyPr/>
-                    <a:lstStyle/>
-                    <a:p>
-                      <a:endParaRPr lang="zh-TW" altLang="zh-TW" sz="1100" dirty="0" smtClean="0">
-                        <a:effectLst/>
-                        <a:latin typeface="Gill Sans MT" panose="020B0502020104020203" pitchFamily="34" charset="0"/>
-                        <a:ea typeface="微軟正黑體" panose="020B0604030504040204" pitchFamily="34" charset="-120"/>
-                      </a:endParaRPr>
-                    </a:p>
-                  </a:txBody>
-                  <a:tcPr anchor="ctr">
-                    <a:lnL w="12700" cap="flat" cmpd="sng" algn="ctr">
-                      <a:noFill/>
-                      <a:prstDash val="solid"/>
-                      <a:round/>
-                      <a:headEnd type="none" w="med" len="med"/>
-                      <a:tailEnd type="none" w="med" len="med"/>
-                    </a:lnL>
-                    <a:lnR w="12700" cap="flat" cmpd="sng" algn="ctr">
-                      <a:noFill/>
-                      <a:prstDash val="solid"/>
-                      <a:round/>
-                      <a:headEnd type="none" w="med" len="med"/>
-                      <a:tailEnd type="none" w="med" len="med"/>
-                    </a:lnR>
-                    <a:lnT w="12700" cap="flat" cmpd="sng" algn="ctr">
-                      <a:solidFill>
-                        <a:schemeClr val="tx1"/>
-                      </a:solidFill>
-                      <a:prstDash val="solid"/>
-                      <a:round/>
-                      <a:headEnd type="none" w="med" len="med"/>
-                      <a:tailEnd type="none" w="med" len="med"/>
-                    </a:lnT>
-                    <a:lnB w="12700" cap="flat" cmpd="sng" algn="ctr">
-                      <a:noFill/>
-                      <a:prstDash val="solid"/>
-                      <a:round/>
-                      <a:headEnd type="none" w="med" len="med"/>
-                      <a:tailEnd type="none" w="med" len="med"/>
-                    </a:lnB>
-                    <a:lnTlToBr w="12700" cmpd="sng">
-                      <a:noFill/>
-                      <a:prstDash val="solid"/>
-                    </a:lnTlToBr>
-                    <a:lnBlToTr w="12700" cmpd="sng">
-                      <a:noFill/>
-                      <a:prstDash val="solid"/>
-                    </a:lnBlToTr>
-                    <a:solidFill>
-                      <a:srgbClr val="E9F1F5"/>
-                    </a:solidFill>
-                  </a:tcPr>
-                </a:tc>
-                <a:tc>
-                  <a:txBody>
-                    <a:bodyPr/>
-                    <a:lstStyle/>
-                    <a:p>
-                      <a:endParaRPr lang="zh-TW" altLang="zh-TW" sz="1100" dirty="0" smtClean="0">
-                        <a:effectLst/>
-                        <a:latin typeface="Gill Sans MT" panose="020B0502020104020203" pitchFamily="34" charset="0"/>
-                        <a:ea typeface="微軟正黑體" panose="020B0604030504040204" pitchFamily="34" charset="-120"/>
-                      </a:endParaRPr>
-                    </a:p>
-                  </a:txBody>
-                  <a:tcPr anchor="ctr">
-                    <a:lnL w="12700" cap="flat" cmpd="sng" algn="ctr">
-                      <a:noFill/>
-                      <a:prstDash val="solid"/>
-                      <a:round/>
-                      <a:headEnd type="none" w="med" len="med"/>
-                      <a:tailEnd type="none" w="med" len="med"/>
-                    </a:lnL>
-                    <a:lnR w="12700" cap="flat" cmpd="sng" algn="ctr">
-                      <a:noFill/>
-                      <a:prstDash val="solid"/>
-                      <a:round/>
-                      <a:headEnd type="none" w="med" len="med"/>
-                      <a:tailEnd type="none" w="med" len="med"/>
-                    </a:lnR>
-                    <a:lnT w="12700" cap="flat" cmpd="sng" algn="ctr">
-                      <a:solidFill>
-                        <a:schemeClr val="tx1"/>
-                      </a:solidFill>
-                      <a:prstDash val="solid"/>
-                      <a:round/>
-                      <a:headEnd type="none" w="med" len="med"/>
-                      <a:tailEnd type="none" w="med" len="med"/>
-                    </a:lnT>
-                    <a:lnB w="12700" cap="flat" cmpd="sng" algn="ctr">
-                      <a:noFill/>
-                      <a:prstDash val="solid"/>
-                      <a:round/>
-                      <a:headEnd type="none" w="med" len="med"/>
-                      <a:tailEnd type="none" w="med" len="med"/>
-                    </a:lnB>
-                    <a:lnTlToBr w="12700" cmpd="sng">
-                      <a:noFill/>
-                      <a:prstDash val="solid"/>
-                    </a:lnTlToBr>
-                    <a:lnBlToTr w="12700" cmpd="sng">
-                      <a:noFill/>
-                      <a:prstDash val="solid"/>
-                    </a:lnBlToTr>
-                    <a:solidFill>
-                      <a:srgbClr val="E9F1F5"/>
-                    </a:solidFill>
-                  </a:tcPr>
-                </a:tc>
-                <a:tc>
-                  <a:txBody>
-                    <a:bodyPr/>
-                    <a:lstStyle/>
-                    <a:p>
-                      <a:endParaRPr lang="zh-TW" altLang="zh-TW" sz="1100" dirty="0" smtClean="0">
-                        <a:effectLst/>
-                        <a:latin typeface="Gill Sans MT" panose="020B0502020104020203" pitchFamily="34" charset="0"/>
-                        <a:ea typeface="微軟正黑體" panose="020B0604030504040204" pitchFamily="34" charset="-120"/>
-                      </a:endParaRPr>
-                    </a:p>
-                  </a:txBody>
-                  <a:tcPr anchor="ctr">
-                    <a:lnL w="12700" cap="flat" cmpd="sng" algn="ctr">
-                      <a:noFill/>
-                      <a:prstDash val="solid"/>
-                      <a:round/>
-                      <a:headEnd type="none" w="med" len="med"/>
-                      <a:tailEnd type="none" w="med" len="med"/>
-                    </a:lnL>
-                    <a:lnR w="12700" cap="flat" cmpd="sng" algn="ctr">
-                      <a:noFill/>
-                      <a:prstDash val="solid"/>
-                      <a:round/>
-                      <a:headEnd type="none" w="med" len="med"/>
-                      <a:tailEnd type="none" w="med" len="med"/>
-                    </a:lnR>
-                    <a:lnT w="12700" cap="flat" cmpd="sng" algn="ctr">
-                      <a:solidFill>
-                        <a:schemeClr val="tx1"/>
-                      </a:solidFill>
-                      <a:prstDash val="solid"/>
-                      <a:round/>
-                      <a:headEnd type="none" w="med" len="med"/>
-                      <a:tailEnd type="none" w="med" len="med"/>
-                    </a:lnT>
-                    <a:lnB w="12700" cap="flat" cmpd="sng" algn="ctr">
-                      <a:noFill/>
-                      <a:prstDash val="solid"/>
-                      <a:round/>
-                      <a:headEnd type="none" w="med" len="med"/>
-                      <a:tailEnd type="none" w="med" len="med"/>
-                    </a:lnB>
-                    <a:lnTlToBr w="12700" cmpd="sng">
-                      <a:noFill/>
-                      <a:prstDash val="solid"/>
-                    </a:lnTlToBr>
-                    <a:lnBlToTr w="12700" cmpd="sng">
-                      <a:noFill/>
-                      <a:prstDash val="solid"/>
-                    </a:lnBlToTr>
-                    <a:solidFill>
-                      <a:srgbClr val="E9F1F5"/>
-                    </a:solidFill>
-                  </a:tcPr>
-                </a:tc>
-                <a:tc>
-                  <a:txBody>
-                    <a:bodyPr/>
-                    <a:lstStyle/>
-                    <a:p>
-                      <a:endParaRPr lang="zh-TW" altLang="zh-TW" sz="1100" dirty="0" smtClean="0">
-                        <a:effectLst/>
-                        <a:latin typeface="Gill Sans MT" panose="020B0502020104020203" pitchFamily="34" charset="0"/>
-                        <a:ea typeface="微軟正黑體" panose="020B0604030504040204" pitchFamily="34" charset="-120"/>
-                      </a:endParaRPr>
-                    </a:p>
-                  </a:txBody>
-                  <a:tcPr anchor="ctr">
-                    <a:lnL w="12700" cap="flat" cmpd="sng" algn="ctr">
-                      <a:noFill/>
-                      <a:prstDash val="solid"/>
-                      <a:round/>
-                      <a:headEnd type="none" w="med" len="med"/>
-                      <a:tailEnd type="none" w="med" len="med"/>
-                    </a:lnL>
-                    <a:lnR w="12700" cap="flat" cmpd="sng" algn="ctr">
-                      <a:noFill/>
-                      <a:prstDash val="solid"/>
-                      <a:round/>
-                      <a:headEnd type="none" w="med" len="med"/>
-                      <a:tailEnd type="none" w="med" len="med"/>
-                    </a:lnR>
-                    <a:lnT w="12700" cap="flat" cmpd="sng" algn="ctr">
-                      <a:solidFill>
-                        <a:schemeClr val="tx1"/>
-                      </a:solidFill>
-                      <a:prstDash val="solid"/>
-                      <a:round/>
-                      <a:headEnd type="none" w="med" len="med"/>
-                      <a:tailEnd type="none" w="med" len="med"/>
-                    </a:lnT>
-                    <a:lnB w="12700" cap="flat" cmpd="sng" algn="ctr">
-                      <a:noFill/>
-                      <a:prstDash val="solid"/>
-                      <a:round/>
-                      <a:headEnd type="none" w="med" len="med"/>
-                      <a:tailEnd type="none" w="med" len="med"/>
-                    </a:lnB>
-                    <a:lnTlToBr w="12700" cmpd="sng">
-                      <a:noFill/>
-                      <a:prstDash val="solid"/>
-                    </a:lnTlToBr>
-                    <a:lnBlToTr w="12700" cmpd="sng">
-                      <a:noFill/>
-                      <a:prstDash val="solid"/>
-                    </a:lnBlToTr>
-                    <a:solidFill>
-                      <a:srgbClr val="E9F1F5"/>
-                    </a:solidFill>
-                  </a:tcPr>
-                </a:tc>
-                <a:tc>
-                  <a:txBody>
-                    <a:bodyPr/>
-                    <a:lstStyle/>
-                    <a:p>
-                      <a:pPr marL="180000" marR="0" indent="-180000" algn="l" defTabSz="914400" rtl="0" eaLnBrk="1" fontAlgn="auto" latinLnBrk="0" hangingPunct="1">
-                        <a:lnSpc>
-                          <a:spcPct val="100000"/>
-                        </a:lnSpc>
-                        <a:spcBef>
-                          <a:spcPts val="0"/>
-                        </a:spcBef>
-                        <a:spcAft>
-                          <a:spcPts val="0"/>
-                        </a:spcAft>
-                        <a:buClrTx/>
-                        <a:buSzTx/>
-                        <a:buFont typeface="+mj-lt"/>
-                        <a:buAutoNum type="arabicPeriod"/>
-                        <a:tabLst/>
-                        <a:defRPr/>
-                      </a:pPr>
-                      <a:endParaRPr lang="en-US" altLang="zh-TW" sz="1000" strike="noStrike" dirty="0" smtClean="0">
-                        <a:solidFill>
-                          <a:schemeClr val="tx1"/>
-                        </a:solidFill>
-                        <a:latin typeface="Gill Sans MT" panose="020B0502020104020203" pitchFamily="34" charset="0"/>
-                        <a:ea typeface="微軟正黑體" panose="020B0604030504040204" pitchFamily="34" charset="-120"/>
-                      </a:endParaRPr>
-                    </a:p>
-                  </a:txBody>
-                  <a:tcPr anchor="ctr">
-                    <a:lnL w="12700" cap="flat" cmpd="sng" algn="ctr">
-                      <a:noFill/>
-                      <a:prstDash val="solid"/>
-                      <a:round/>
-                      <a:headEnd type="none" w="med" len="med"/>
-                      <a:tailEnd type="none" w="med" len="med"/>
-                    </a:lnL>
-                    <a:lnR w="12700" cap="flat" cmpd="sng" algn="ctr">
-                      <a:noFill/>
-                      <a:prstDash val="solid"/>
-                      <a:round/>
-                      <a:headEnd type="none" w="med" len="med"/>
-                      <a:tailEnd type="none" w="med" len="med"/>
-                    </a:lnR>
-                    <a:lnT w="12700" cap="flat" cmpd="sng" algn="ctr">
-                      <a:solidFill>
-                        <a:schemeClr val="tx1"/>
-                      </a:solidFill>
-                      <a:prstDash val="solid"/>
-                      <a:round/>
-                      <a:headEnd type="none" w="med" len="med"/>
-                      <a:tailEnd type="none" w="med" len="med"/>
-                    </a:lnT>
-                    <a:lnB w="12700" cap="flat" cmpd="sng" algn="ctr">
-                      <a:noFill/>
-                      <a:prstDash val="solid"/>
-                      <a:round/>
-                      <a:headEnd type="none" w="med" len="med"/>
-                      <a:tailEnd type="none" w="med" len="med"/>
-                    </a:lnB>
-                    <a:lnTlToBr w="12700" cmpd="sng">
-                      <a:noFill/>
-                      <a:prstDash val="solid"/>
-                    </a:lnTlToBr>
-                    <a:lnBlToTr w="12700" cmpd="sng">
-                      <a:noFill/>
-                      <a:prstDash val="solid"/>
-                    </a:lnBlToTr>
-                    <a:solidFill>
-                      <a:srgbClr val="E9F1F5"/>
-                    </a:solidFill>
-                  </a:tcPr>
-                </a:tc>
+                <a:extLst>
+                  <a:ext uri="{0D108BD9-81ED-4DB2-BD59-A6C34878D82A}">
+                    <a16:rowId xmlns:a16="http://schemas.microsoft.com/office/drawing/2014/main" val="10005"/>
+                  </a:ext>
+                </a:extLst>
               </a:tr>
             </a:tbl>
           </a:graphicData>
@@ -21163,7 +20611,11 @@
             </a:r>
             <a:r>
               <a:rPr lang="en-US" altLang="zh-TW" dirty="0"/>
-              <a:t>in September</a:t>
+              <a:t>in </a:t>
+            </a:r>
+            <a:r>
+              <a:rPr lang="en-US" altLang="zh-TW" dirty="0" smtClean="0"/>
+              <a:t>October</a:t>
             </a:r>
             <a:endParaRPr lang="zh-TW" altLang="en-US" dirty="0"/>
           </a:p>
@@ -21174,7 +20626,7 @@
           <p:cNvPr id="14" name="Right Arrow 69">
             <a:extLst>
               <a:ext uri="{FF2B5EF4-FFF2-40B4-BE49-F238E27FC236}">
-                <a16:creationId xmlns="" xmlns:a16="http://schemas.microsoft.com/office/drawing/2014/main" id="{346B6478-FFFB-8346-971B-7F55ED8675EA}"/>
+                <a16:creationId xmlns:a16="http://schemas.microsoft.com/office/drawing/2014/main" id="{346B6478-FFFB-8346-971B-7F55ED8675EA}"/>
               </a:ext>
             </a:extLst>
           </p:cNvPr>
@@ -21183,8 +20635,8 @@
         </p:nvSpPr>
         <p:spPr>
           <a:xfrm>
-            <a:off x="2941587" y="2402685"/>
-            <a:ext cx="1325774" cy="201930"/>
+            <a:off x="3221849" y="2402685"/>
+            <a:ext cx="1663092" cy="201600"/>
           </a:xfrm>
           <a:prstGeom prst="rightArrow">
             <a:avLst>
@@ -21194,81 +20646,6 @@
           </a:prstGeom>
           <a:solidFill>
             <a:srgbClr val="00B050"/>
-          </a:solidFill>
-          <a:ln>
-            <a:noFill/>
-          </a:ln>
-        </p:spPr>
-        <p:style>
-          <a:lnRef idx="2">
-            <a:schemeClr val="accent1">
-              <a:shade val="50000"/>
-            </a:schemeClr>
-          </a:lnRef>
-          <a:fillRef idx="1">
-            <a:schemeClr val="accent1"/>
-          </a:fillRef>
-          <a:effectRef idx="0">
-            <a:schemeClr val="accent1"/>
-          </a:effectRef>
-          <a:fontRef idx="minor">
-            <a:schemeClr val="lt1"/>
-          </a:fontRef>
-        </p:style>
-        <p:txBody>
-          <a:bodyPr rtlCol="0" anchor="ctr"/>
-          <a:lstStyle/>
-          <a:p>
-            <a:pPr algn="ctr"/>
-            <a:r>
-              <a:rPr lang="en-US" altLang="zh-TW" sz="1000" dirty="0" err="1" smtClean="0">
-                <a:latin typeface="Gill Sans MT" panose="020B0502020104020203" pitchFamily="34" charset="0"/>
-              </a:rPr>
-              <a:t>Wylee</a:t>
-            </a:r>
-            <a:r>
-              <a:rPr lang="zh-TW" altLang="en-US" sz="1000" dirty="0" smtClean="0">
-                <a:latin typeface="Gill Sans MT" panose="020B0502020104020203" pitchFamily="34" charset="0"/>
-              </a:rPr>
-              <a:t>、</a:t>
-            </a:r>
-            <a:r>
-              <a:rPr lang="en-US" altLang="zh-TW" sz="1000" dirty="0" smtClean="0">
-                <a:latin typeface="Gill Sans MT" panose="020B0502020104020203" pitchFamily="34" charset="0"/>
-              </a:rPr>
-              <a:t>HS</a:t>
-            </a:r>
-            <a:endParaRPr lang="en-US" sz="1200" dirty="0">
-              <a:latin typeface="Gill Sans MT" panose="020B0502020104020203" pitchFamily="34" charset="0"/>
-            </a:endParaRPr>
-          </a:p>
-        </p:txBody>
-      </p:sp>
-      <p:sp>
-        <p:nvSpPr>
-          <p:cNvPr id="23" name="Right Arrow 69">
-            <a:extLst>
-              <a:ext uri="{FF2B5EF4-FFF2-40B4-BE49-F238E27FC236}">
-                <a16:creationId xmlns="" xmlns:a16="http://schemas.microsoft.com/office/drawing/2014/main" id="{346B6478-FFFB-8346-971B-7F55ED8675EA}"/>
-              </a:ext>
-            </a:extLst>
-          </p:cNvPr>
-          <p:cNvSpPr/>
-          <p:nvPr/>
-        </p:nvSpPr>
-        <p:spPr>
-          <a:xfrm>
-            <a:off x="4905304" y="4101920"/>
-            <a:ext cx="652634" cy="178944"/>
-          </a:xfrm>
-          <a:prstGeom prst="rightArrow">
-            <a:avLst>
-              <a:gd name="adj1" fmla="val 100000"/>
-              <a:gd name="adj2" fmla="val 66386"/>
-            </a:avLst>
-          </a:prstGeom>
-          <a:solidFill>
-            <a:schemeClr val="accent1"/>
           </a:solidFill>
           <a:ln>
             <a:noFill/>
@@ -21312,7 +20689,7 @@
           <p:cNvPr id="17" name="Right Arrow 69">
             <a:extLst>
               <a:ext uri="{FF2B5EF4-FFF2-40B4-BE49-F238E27FC236}">
-                <a16:creationId xmlns="" xmlns:a16="http://schemas.microsoft.com/office/drawing/2014/main" id="{346B6478-FFFB-8346-971B-7F55ED8675EA}"/>
+                <a16:creationId xmlns:a16="http://schemas.microsoft.com/office/drawing/2014/main" id="{346B6478-FFFB-8346-971B-7F55ED8675EA}"/>
               </a:ext>
             </a:extLst>
           </p:cNvPr>
@@ -21321,8 +20698,8 @@
         </p:nvSpPr>
         <p:spPr>
           <a:xfrm>
-            <a:off x="3559167" y="3516855"/>
-            <a:ext cx="1325774" cy="201930"/>
+            <a:off x="4884942" y="3561859"/>
+            <a:ext cx="687570" cy="201600"/>
           </a:xfrm>
           <a:prstGeom prst="rightArrow">
             <a:avLst>
@@ -21331,7 +20708,7 @@
             </a:avLst>
           </a:prstGeom>
           <a:solidFill>
-            <a:srgbClr val="F1AC01"/>
+            <a:srgbClr val="00B050"/>
           </a:solidFill>
           <a:ln>
             <a:noFill/>
@@ -21359,36 +20736,12 @@
           <a:p>
             <a:pPr algn="ctr"/>
             <a:r>
-              <a:rPr lang="en-US" altLang="zh-TW" sz="1000" dirty="0" err="1" smtClean="0">
-                <a:latin typeface="Gill Sans MT" panose="020B0502020104020203" pitchFamily="34" charset="0"/>
-              </a:rPr>
-              <a:t>Wylee</a:t>
-            </a:r>
-            <a:r>
-              <a:rPr lang="zh-TW" altLang="en-US" sz="1000" dirty="0" smtClean="0">
-                <a:latin typeface="Gill Sans MT" panose="020B0502020104020203" pitchFamily="34" charset="0"/>
-              </a:rPr>
-              <a:t>、</a:t>
-            </a:r>
-            <a:r>
-              <a:rPr lang="en-US" altLang="zh-TW" sz="1000" dirty="0" smtClean="0">
+              <a:rPr lang="en-US" altLang="zh-TW" sz="1000" dirty="0">
                 <a:latin typeface="Gill Sans MT" panose="020B0502020104020203" pitchFamily="34" charset="0"/>
               </a:rPr>
               <a:t>HS</a:t>
             </a:r>
-            <a:r>
-              <a:rPr lang="zh-TW" altLang="en-US" sz="1000" dirty="0" smtClean="0">
-                <a:latin typeface="Gill Sans MT" panose="020B0502020104020203" pitchFamily="34" charset="0"/>
-              </a:rPr>
-              <a:t>、</a:t>
-            </a:r>
-            <a:r>
-              <a:rPr lang="en-US" altLang="zh-TW" sz="1000" dirty="0" smtClean="0">
-                <a:latin typeface="Gill Sans MT" panose="020B0502020104020203" pitchFamily="34" charset="0"/>
-              </a:rPr>
-              <a:t>Otis</a:t>
-            </a:r>
-            <a:endParaRPr lang="en-US" sz="1200" dirty="0">
+            <a:endParaRPr lang="en-US" sz="1000" dirty="0">
               <a:latin typeface="Gill Sans MT" panose="020B0502020104020203" pitchFamily="34" charset="0"/>
             </a:endParaRPr>
           </a:p>
@@ -21399,7 +20752,7 @@
           <p:cNvPr id="21" name="Right Arrow 69">
             <a:extLst>
               <a:ext uri="{FF2B5EF4-FFF2-40B4-BE49-F238E27FC236}">
-                <a16:creationId xmlns="" xmlns:a16="http://schemas.microsoft.com/office/drawing/2014/main" id="{346B6478-FFFB-8346-971B-7F55ED8675EA}"/>
+                <a16:creationId xmlns:a16="http://schemas.microsoft.com/office/drawing/2014/main" id="{346B6478-FFFB-8346-971B-7F55ED8675EA}"/>
               </a:ext>
             </a:extLst>
           </p:cNvPr>
@@ -21408,8 +20761,8 @@
         </p:nvSpPr>
         <p:spPr>
           <a:xfrm>
-            <a:off x="2931068" y="1795601"/>
-            <a:ext cx="1010862" cy="178944"/>
+            <a:off x="2931067" y="1795601"/>
+            <a:ext cx="1336293" cy="201600"/>
           </a:xfrm>
           <a:prstGeom prst="rightArrow">
             <a:avLst>
@@ -21451,7 +20804,7 @@
               <a:rPr lang="en-US" altLang="zh-TW" sz="1000" dirty="0" smtClean="0">
                 <a:latin typeface="Gill Sans MT" panose="020B0502020104020203" pitchFamily="34" charset="0"/>
               </a:rPr>
-              <a:t>EL</a:t>
+              <a:t>Wylee</a:t>
             </a:r>
             <a:r>
               <a:rPr lang="zh-TW" altLang="en-US" sz="1000" dirty="0" smtClean="0">
@@ -21460,10 +20813,10 @@
               <a:t>、</a:t>
             </a:r>
             <a:r>
-              <a:rPr lang="en-US" altLang="zh-TW" sz="1000" dirty="0" err="1" smtClean="0">
+              <a:rPr lang="en-US" altLang="zh-TW" sz="1000" dirty="0" smtClean="0">
                 <a:latin typeface="Gill Sans MT" panose="020B0502020104020203" pitchFamily="34" charset="0"/>
               </a:rPr>
-              <a:t>Wylee</a:t>
+              <a:t>HS</a:t>
             </a:r>
             <a:endParaRPr lang="en-US" altLang="zh-TW" sz="1000" dirty="0" smtClean="0">
               <a:latin typeface="Gill Sans MT" panose="020B0502020104020203" pitchFamily="34" charset="0"/>
@@ -21476,7 +20829,7 @@
           <p:cNvPr id="8" name="Right Arrow 69">
             <a:extLst>
               <a:ext uri="{FF2B5EF4-FFF2-40B4-BE49-F238E27FC236}">
-                <a16:creationId xmlns="" xmlns:a16="http://schemas.microsoft.com/office/drawing/2014/main" id="{346B6478-FFFB-8346-971B-7F55ED8675EA}"/>
+                <a16:creationId xmlns:a16="http://schemas.microsoft.com/office/drawing/2014/main" id="{346B6478-FFFB-8346-971B-7F55ED8675EA}"/>
               </a:ext>
             </a:extLst>
           </p:cNvPr>
@@ -21485,8 +20838,8 @@
         </p:nvSpPr>
         <p:spPr>
           <a:xfrm>
-            <a:off x="3559381" y="2971263"/>
-            <a:ext cx="1057624" cy="185552"/>
+            <a:off x="3986936" y="2971262"/>
+            <a:ext cx="898006" cy="201600"/>
           </a:xfrm>
           <a:prstGeom prst="rightArrow">
             <a:avLst>
@@ -21495,9 +20848,7 @@
             </a:avLst>
           </a:prstGeom>
           <a:solidFill>
-            <a:schemeClr val="accent5">
-              <a:lumMod val="75000"/>
-            </a:schemeClr>
+            <a:srgbClr val="00B050"/>
           </a:solidFill>
           <a:ln>
             <a:noFill/>
@@ -21525,24 +20876,12 @@
           <a:p>
             <a:pPr algn="ctr"/>
             <a:r>
-              <a:rPr lang="en-US" altLang="zh-TW" sz="1000" dirty="0" smtClean="0">
+              <a:rPr lang="en-US" altLang="zh-TW" sz="1000" dirty="0">
                 <a:latin typeface="Gill Sans MT" panose="020B0502020104020203" pitchFamily="34" charset="0"/>
               </a:rPr>
               <a:t>HS</a:t>
             </a:r>
-            <a:r>
-              <a:rPr lang="zh-TW" altLang="en-US" sz="1000" dirty="0" smtClean="0">
-                <a:latin typeface="Gill Sans MT" panose="020B0502020104020203" pitchFamily="34" charset="0"/>
-              </a:rPr>
-              <a:t>、</a:t>
-            </a:r>
-            <a:r>
-              <a:rPr lang="en-US" altLang="zh-TW" sz="1000" dirty="0" smtClean="0">
-                <a:latin typeface="Gill Sans MT" panose="020B0502020104020203" pitchFamily="34" charset="0"/>
-              </a:rPr>
-              <a:t>Joe</a:t>
-            </a:r>
-            <a:endParaRPr lang="en-US" sz="1200" dirty="0">
+            <a:endParaRPr lang="en-US" sz="1000" dirty="0">
               <a:latin typeface="Gill Sans MT" panose="020B0502020104020203" pitchFamily="34" charset="0"/>
             </a:endParaRPr>
           </a:p>
@@ -25268,7 +24607,7 @@
         </p:blipFill>
         <p:spPr>
           <a:xfrm>
-            <a:off x="5839364" y="1620975"/>
+            <a:off x="5922150" y="1620975"/>
             <a:ext cx="270030" cy="270030"/>
           </a:xfrm>
           <a:prstGeom prst="rect">
@@ -25298,7 +24637,7 @@
         </p:blipFill>
         <p:spPr>
           <a:xfrm>
-            <a:off x="5363416" y="1315044"/>
+            <a:off x="5427095" y="1311636"/>
             <a:ext cx="270030" cy="270030"/>
           </a:xfrm>
           <a:prstGeom prst="rect">
@@ -25566,6 +24905,911 @@
           <a:p>
             <a:r>
               <a:rPr lang="zh-TW" altLang="en-US" dirty="0" smtClean="0"/>
+              <a:t>色偏預警協</a:t>
+            </a:r>
+            <a:r>
+              <a:rPr lang="zh-TW" altLang="en-US" dirty="0"/>
+              <a:t>助</a:t>
+            </a:r>
+            <a:endParaRPr lang="zh-TW" altLang="en-US" dirty="0"/>
+          </a:p>
+        </p:txBody>
+      </p:sp>
+      <p:sp>
+        <p:nvSpPr>
+          <p:cNvPr id="3" name="內容版面配置區 2"/>
+          <p:cNvSpPr>
+            <a:spLocks noGrp="1"/>
+          </p:cNvSpPr>
+          <p:nvPr>
+            <p:ph idx="1"/>
+          </p:nvPr>
+        </p:nvSpPr>
+        <p:spPr>
+          <a:xfrm>
+            <a:off x="5202070" y="2076695"/>
+            <a:ext cx="3285365" cy="1935215"/>
+          </a:xfrm>
+          <a:ln>
+            <a:solidFill>
+              <a:schemeClr val="tx1"/>
+            </a:solidFill>
+          </a:ln>
+        </p:spPr>
+        <p:txBody>
+          <a:bodyPr>
+            <a:normAutofit fontScale="85000" lnSpcReduction="20000"/>
+          </a:bodyPr>
+          <a:lstStyle/>
+          <a:p>
+            <a:r>
+              <a:rPr lang="en-US" altLang="zh-TW" sz="2400" dirty="0" smtClean="0"/>
+              <a:t>Phase</a:t>
+            </a:r>
+          </a:p>
+          <a:p>
+            <a:endParaRPr lang="en-US" altLang="zh-TW" sz="1200" dirty="0" smtClean="0"/>
+          </a:p>
+          <a:p>
+            <a:pPr marL="457200" indent="-457200">
+              <a:buAutoNum type="arabicPeriod"/>
+            </a:pPr>
+            <a:r>
+              <a:rPr lang="zh-TW" altLang="en-US" dirty="0" smtClean="0">
+                <a:solidFill>
+                  <a:srgbClr val="00B050"/>
+                </a:solidFill>
+              </a:rPr>
+              <a:t>開發環境用</a:t>
+            </a:r>
+            <a:r>
+              <a:rPr lang="en-US" altLang="zh-TW" dirty="0" smtClean="0">
+                <a:solidFill>
+                  <a:srgbClr val="00B050"/>
+                </a:solidFill>
+              </a:rPr>
+              <a:t>jupyter</a:t>
+            </a:r>
+            <a:r>
+              <a:rPr lang="zh-TW" altLang="en-US" dirty="0" smtClean="0">
+                <a:solidFill>
+                  <a:srgbClr val="00B050"/>
+                </a:solidFill>
+              </a:rPr>
+              <a:t>執行</a:t>
+            </a:r>
+            <a:endParaRPr lang="en-US" altLang="zh-TW" dirty="0" smtClean="0">
+              <a:solidFill>
+                <a:srgbClr val="00B050"/>
+              </a:solidFill>
+            </a:endParaRPr>
+          </a:p>
+          <a:p>
+            <a:pPr marL="457200" indent="-457200">
+              <a:buAutoNum type="arabicPeriod"/>
+            </a:pPr>
+            <a:r>
+              <a:rPr lang="zh-TW" altLang="en-US" dirty="0" smtClean="0">
+                <a:solidFill>
+                  <a:srgbClr val="00B050"/>
+                </a:solidFill>
+              </a:rPr>
+              <a:t>架設 </a:t>
+            </a:r>
+            <a:r>
+              <a:rPr lang="en-US" altLang="zh-TW" dirty="0" smtClean="0">
+                <a:solidFill>
+                  <a:srgbClr val="00B050"/>
+                </a:solidFill>
+              </a:rPr>
+              <a:t>color_casr</a:t>
+            </a:r>
+            <a:r>
+              <a:rPr lang="zh-TW" altLang="en-US" dirty="0" smtClean="0">
+                <a:solidFill>
+                  <a:srgbClr val="00B050"/>
+                </a:solidFill>
+              </a:rPr>
+              <a:t>環境</a:t>
+            </a:r>
+            <a:endParaRPr lang="en-US" altLang="zh-TW" dirty="0" smtClean="0">
+              <a:solidFill>
+                <a:srgbClr val="00B050"/>
+              </a:solidFill>
+            </a:endParaRPr>
+          </a:p>
+          <a:p>
+            <a:pPr marL="457200" indent="-457200">
+              <a:buAutoNum type="arabicPeriod"/>
+            </a:pPr>
+            <a:r>
+              <a:rPr lang="zh-TW" altLang="en-US" dirty="0">
+                <a:solidFill>
+                  <a:schemeClr val="tx1">
+                    <a:lumMod val="50000"/>
+                    <a:lumOff val="50000"/>
+                  </a:schemeClr>
+                </a:solidFill>
+              </a:rPr>
+              <a:t>等</a:t>
+            </a:r>
+            <a:r>
+              <a:rPr lang="zh-TW" altLang="en-US" dirty="0" smtClean="0">
+                <a:solidFill>
+                  <a:schemeClr val="tx1">
+                    <a:lumMod val="50000"/>
+                    <a:lumOff val="50000"/>
+                  </a:schemeClr>
+                </a:solidFill>
+              </a:rPr>
+              <a:t>待作者移除多餘的程式碼</a:t>
+            </a:r>
+            <a:endParaRPr lang="en-US" altLang="zh-TW" dirty="0" smtClean="0">
+              <a:solidFill>
+                <a:schemeClr val="tx1">
+                  <a:lumMod val="50000"/>
+                  <a:lumOff val="50000"/>
+                </a:schemeClr>
+              </a:solidFill>
+            </a:endParaRPr>
+          </a:p>
+          <a:p>
+            <a:pPr marL="457200" indent="-457200">
+              <a:buAutoNum type="arabicPeriod"/>
+            </a:pPr>
+            <a:r>
+              <a:rPr lang="zh-TW" altLang="en-US" dirty="0" smtClean="0">
+                <a:solidFill>
+                  <a:schemeClr val="tx1">
+                    <a:lumMod val="50000"/>
+                    <a:lumOff val="50000"/>
+                  </a:schemeClr>
+                </a:solidFill>
+              </a:rPr>
+              <a:t>轉</a:t>
+            </a:r>
+            <a:r>
+              <a:rPr lang="zh-TW" altLang="en-US" dirty="0">
+                <a:solidFill>
+                  <a:schemeClr val="tx1">
+                    <a:lumMod val="50000"/>
+                    <a:lumOff val="50000"/>
+                  </a:schemeClr>
+                </a:solidFill>
+              </a:rPr>
+              <a:t>單</a:t>
+            </a:r>
+            <a:r>
+              <a:rPr lang="zh-TW" altLang="en-US" dirty="0" smtClean="0">
+                <a:solidFill>
+                  <a:schemeClr val="tx1">
+                    <a:lumMod val="50000"/>
+                    <a:lumOff val="50000"/>
+                  </a:schemeClr>
+                </a:solidFill>
+              </a:rPr>
+              <a:t>檔 </a:t>
+            </a:r>
+            <a:r>
+              <a:rPr lang="en-US" altLang="zh-TW" dirty="0" smtClean="0">
+                <a:solidFill>
+                  <a:schemeClr val="tx1">
+                    <a:lumMod val="50000"/>
+                    <a:lumOff val="50000"/>
+                  </a:schemeClr>
+                </a:solidFill>
+              </a:rPr>
+              <a:t>p</a:t>
+            </a:r>
+            <a:r>
+              <a:rPr lang="en-US" altLang="zh-TW" dirty="0" smtClean="0">
+                <a:solidFill>
+                  <a:schemeClr val="tx1">
+                    <a:lumMod val="50000"/>
+                    <a:lumOff val="50000"/>
+                  </a:schemeClr>
+                </a:solidFill>
+              </a:rPr>
+              <a:t>ython</a:t>
+            </a:r>
+          </a:p>
+          <a:p>
+            <a:pPr marL="457200" indent="-457200">
+              <a:buAutoNum type="arabicPeriod"/>
+            </a:pPr>
+            <a:r>
+              <a:rPr lang="en-US" altLang="zh-TW" dirty="0" smtClean="0">
+                <a:solidFill>
+                  <a:schemeClr val="tx1">
+                    <a:lumMod val="50000"/>
+                    <a:lumOff val="50000"/>
+                  </a:schemeClr>
+                </a:solidFill>
+              </a:rPr>
+              <a:t>DLL </a:t>
+            </a:r>
+            <a:r>
+              <a:rPr lang="zh-TW" altLang="en-US" dirty="0" smtClean="0">
+                <a:solidFill>
+                  <a:schemeClr val="tx1">
+                    <a:lumMod val="50000"/>
+                    <a:lumOff val="50000"/>
+                  </a:schemeClr>
+                </a:solidFill>
+              </a:rPr>
+              <a:t>串接</a:t>
+            </a:r>
+            <a:endParaRPr lang="zh-TW" altLang="en-US" dirty="0">
+              <a:solidFill>
+                <a:schemeClr val="tx1">
+                  <a:lumMod val="50000"/>
+                  <a:lumOff val="50000"/>
+                </a:schemeClr>
+              </a:solidFill>
+            </a:endParaRPr>
+          </a:p>
+        </p:txBody>
+      </p:sp>
+      <p:sp>
+        <p:nvSpPr>
+          <p:cNvPr id="4" name="投影片編號版面配置區 3"/>
+          <p:cNvSpPr>
+            <a:spLocks noGrp="1"/>
+          </p:cNvSpPr>
+          <p:nvPr>
+            <p:ph type="sldNum" sz="quarter" idx="12"/>
+          </p:nvPr>
+        </p:nvSpPr>
+        <p:spPr/>
+        <p:txBody>
+          <a:bodyPr/>
+          <a:lstStyle/>
+          <a:p>
+            <a:fld id="{ABDAC9F9-CB22-4C92-95F2-D67E6E197372}" type="slidenum">
+              <a:rPr lang="zh-TW" altLang="en-US" smtClean="0"/>
+              <a:t>5</a:t>
+            </a:fld>
+            <a:endParaRPr lang="zh-TW" altLang="en-US"/>
+          </a:p>
+        </p:txBody>
+      </p:sp>
+      <p:pic>
+        <p:nvPicPr>
+          <p:cNvPr id="5" name="圖片 4"/>
+          <p:cNvPicPr>
+            <a:picLocks noChangeAspect="1"/>
+          </p:cNvPicPr>
+          <p:nvPr/>
+        </p:nvPicPr>
+        <p:blipFill>
+          <a:blip r:embed="rId2"/>
+          <a:stretch>
+            <a:fillRect/>
+          </a:stretch>
+        </p:blipFill>
+        <p:spPr>
+          <a:xfrm>
+            <a:off x="746575" y="1636010"/>
+            <a:ext cx="4322748" cy="3176624"/>
+          </a:xfrm>
+          <a:prstGeom prst="rect">
+            <a:avLst/>
+          </a:prstGeom>
+        </p:spPr>
+      </p:pic>
+    </p:spTree>
+    <p:extLst>
+      <p:ext uri="{BB962C8B-B14F-4D97-AF65-F5344CB8AC3E}">
+        <p14:creationId xmlns:p14="http://schemas.microsoft.com/office/powerpoint/2010/main" val="1485629496"/>
+      </p:ext>
+    </p:extLst>
+  </p:cSld>
+  <p:clrMapOvr>
+    <a:masterClrMapping/>
+  </p:clrMapOvr>
+  <p:timing>
+    <p:tnLst>
+      <p:par>
+        <p:cTn id="1" dur="indefinite" restart="never" nodeType="tmRoot"/>
+      </p:par>
+    </p:tnLst>
+  </p:timing>
+</p:sld>
+</file>
+
+<file path=ppt/slides/slide6.xml><?xml version="1.0" encoding="utf-8"?>
+<p:sld xmlns:a="http://schemas.openxmlformats.org/drawingml/2006/main" xmlns:r="http://schemas.openxmlformats.org/officeDocument/2006/relationships" xmlns:p="http://schemas.openxmlformats.org/presentationml/2006/main">
+  <p:cSld>
+    <p:spTree>
+      <p:nvGrpSpPr>
+        <p:cNvPr id="1" name=""/>
+        <p:cNvGrpSpPr/>
+        <p:nvPr/>
+      </p:nvGrpSpPr>
+      <p:grpSpPr>
+        <a:xfrm>
+          <a:off x="0" y="0"/>
+          <a:ext cx="0" cy="0"/>
+          <a:chOff x="0" y="0"/>
+          <a:chExt cx="0" cy="0"/>
+        </a:xfrm>
+      </p:grpSpPr>
+      <p:sp>
+        <p:nvSpPr>
+          <p:cNvPr id="2" name="標題 1"/>
+          <p:cNvSpPr>
+            <a:spLocks noGrp="1"/>
+          </p:cNvSpPr>
+          <p:nvPr>
+            <p:ph type="title"/>
+          </p:nvPr>
+        </p:nvSpPr>
+        <p:spPr/>
+        <p:txBody>
+          <a:bodyPr/>
+          <a:lstStyle/>
+          <a:p>
+            <a:r>
+              <a:rPr lang="zh-TW" altLang="en-US" dirty="0" smtClean="0"/>
+              <a:t>設備採買 </a:t>
+            </a:r>
+            <a:r>
+              <a:rPr lang="en-US" altLang="zh-TW" dirty="0" smtClean="0"/>
+              <a:t/>
+            </a:r>
+            <a:br>
+              <a:rPr lang="en-US" altLang="zh-TW" dirty="0" smtClean="0"/>
+            </a:br>
+            <a:r>
+              <a:rPr lang="en-US" altLang="zh-TW" sz="2000" dirty="0" smtClean="0">
+                <a:sym typeface="Wingdings" panose="05000000000000000000" pitchFamily="2" charset="2"/>
+              </a:rPr>
+              <a:t>--</a:t>
+            </a:r>
+            <a:r>
+              <a:rPr lang="zh-TW" altLang="en-US" sz="2000" dirty="0" smtClean="0">
+                <a:sym typeface="Wingdings" panose="05000000000000000000" pitchFamily="2" charset="2"/>
+              </a:rPr>
+              <a:t> </a:t>
+            </a:r>
+            <a:r>
+              <a:rPr lang="zh-TW" altLang="en-US" sz="2000" dirty="0" smtClean="0"/>
+              <a:t>深</a:t>
+            </a:r>
+            <a:r>
+              <a:rPr lang="zh-TW" altLang="en-US" sz="2000" dirty="0"/>
+              <a:t>度學習工作</a:t>
+            </a:r>
+            <a:r>
+              <a:rPr lang="zh-TW" altLang="en-US" sz="2000" dirty="0" smtClean="0"/>
+              <a:t>站 </a:t>
+            </a:r>
+            <a:r>
+              <a:rPr lang="en-US" altLang="zh-TW" sz="2000" dirty="0" smtClean="0"/>
+              <a:t>with GPU </a:t>
+            </a:r>
+            <a:r>
+              <a:rPr lang="en-US" altLang="zh-TW" sz="2000" dirty="0" smtClean="0"/>
+              <a:t>A5000</a:t>
+            </a:r>
+            <a:r>
+              <a:rPr lang="zh-TW" altLang="en-US" sz="2000" dirty="0" smtClean="0"/>
+              <a:t>*</a:t>
+            </a:r>
+            <a:r>
+              <a:rPr lang="en-US" altLang="zh-TW" sz="2000" dirty="0" smtClean="0"/>
+              <a:t>4</a:t>
+            </a:r>
+            <a:endParaRPr lang="zh-TW" altLang="en-US" sz="2000" dirty="0"/>
+          </a:p>
+        </p:txBody>
+      </p:sp>
+      <p:sp>
+        <p:nvSpPr>
+          <p:cNvPr id="3" name="內容版面配置區 2"/>
+          <p:cNvSpPr>
+            <a:spLocks noGrp="1"/>
+          </p:cNvSpPr>
+          <p:nvPr>
+            <p:ph idx="1"/>
+          </p:nvPr>
+        </p:nvSpPr>
+        <p:spPr>
+          <a:xfrm>
+            <a:off x="6462210" y="1491631"/>
+            <a:ext cx="2475275" cy="1980220"/>
+          </a:xfrm>
+          <a:ln>
+            <a:solidFill>
+              <a:schemeClr val="tx1"/>
+            </a:solidFill>
+          </a:ln>
+        </p:spPr>
+        <p:txBody>
+          <a:bodyPr/>
+          <a:lstStyle/>
+          <a:p>
+            <a:r>
+              <a:rPr lang="en-US" altLang="zh-TW" dirty="0" smtClean="0"/>
+              <a:t>Phase</a:t>
+            </a:r>
+          </a:p>
+          <a:p>
+            <a:endParaRPr lang="en-US" altLang="zh-TW" sz="1000" dirty="0" smtClean="0"/>
+          </a:p>
+          <a:p>
+            <a:pPr marL="457200" indent="-457200">
+              <a:buAutoNum type="arabicPeriod"/>
+            </a:pPr>
+            <a:r>
+              <a:rPr lang="zh-TW" altLang="en-US" sz="1700" dirty="0" smtClean="0">
+                <a:solidFill>
+                  <a:srgbClr val="00B050"/>
+                </a:solidFill>
+              </a:rPr>
+              <a:t>取得報價單</a:t>
+            </a:r>
+            <a:endParaRPr lang="en-US" altLang="zh-TW" sz="1700" dirty="0" smtClean="0">
+              <a:solidFill>
+                <a:srgbClr val="00B050"/>
+              </a:solidFill>
+            </a:endParaRPr>
+          </a:p>
+          <a:p>
+            <a:pPr marL="457200" indent="-457200">
+              <a:buAutoNum type="arabicPeriod"/>
+            </a:pPr>
+            <a:r>
+              <a:rPr lang="zh-TW" altLang="en-US" sz="1700" dirty="0" smtClean="0">
+                <a:solidFill>
+                  <a:srgbClr val="00B050"/>
+                </a:solidFill>
+              </a:rPr>
+              <a:t>開</a:t>
+            </a:r>
+            <a:r>
+              <a:rPr lang="en-US" altLang="zh-TW" sz="1700" dirty="0" smtClean="0">
+                <a:solidFill>
+                  <a:srgbClr val="00B050"/>
+                </a:solidFill>
+              </a:rPr>
+              <a:t>FlowER 108</a:t>
+            </a:r>
+            <a:r>
+              <a:rPr lang="zh-TW" altLang="en-US" sz="1700" dirty="0" smtClean="0">
+                <a:solidFill>
+                  <a:srgbClr val="00B050"/>
+                </a:solidFill>
+              </a:rPr>
+              <a:t>表單</a:t>
+            </a:r>
+            <a:endParaRPr lang="en-US" altLang="zh-TW" sz="1700" dirty="0" smtClean="0">
+              <a:solidFill>
+                <a:srgbClr val="00B050"/>
+              </a:solidFill>
+            </a:endParaRPr>
+          </a:p>
+          <a:p>
+            <a:pPr marL="457200" indent="-457200">
+              <a:buAutoNum type="arabicPeriod"/>
+            </a:pPr>
+            <a:r>
+              <a:rPr lang="en-US" altLang="zh-TW" sz="1700" dirty="0" smtClean="0">
+                <a:solidFill>
+                  <a:schemeClr val="tx1">
+                    <a:lumMod val="50000"/>
+                    <a:lumOff val="50000"/>
+                  </a:schemeClr>
+                </a:solidFill>
+              </a:rPr>
+              <a:t>?</a:t>
+            </a:r>
+            <a:r>
+              <a:rPr lang="zh-TW" altLang="en-US" sz="1700" dirty="0" smtClean="0">
+                <a:solidFill>
+                  <a:schemeClr val="tx1">
+                    <a:lumMod val="50000"/>
+                    <a:lumOff val="50000"/>
+                  </a:schemeClr>
+                </a:solidFill>
+              </a:rPr>
+              <a:t> </a:t>
+            </a:r>
+            <a:endParaRPr lang="en-US" altLang="zh-TW" sz="1700" dirty="0" smtClean="0">
+              <a:solidFill>
+                <a:schemeClr val="tx1">
+                  <a:lumMod val="50000"/>
+                  <a:lumOff val="50000"/>
+                </a:schemeClr>
+              </a:solidFill>
+            </a:endParaRPr>
+          </a:p>
+          <a:p>
+            <a:pPr marL="457200" indent="-457200">
+              <a:buAutoNum type="arabicPeriod"/>
+            </a:pPr>
+            <a:r>
+              <a:rPr lang="en-US" altLang="zh-TW" sz="1700" dirty="0">
+                <a:solidFill>
+                  <a:schemeClr val="tx1">
+                    <a:lumMod val="50000"/>
+                    <a:lumOff val="50000"/>
+                  </a:schemeClr>
+                </a:solidFill>
+              </a:rPr>
+              <a:t>?</a:t>
+            </a:r>
+            <a:endParaRPr lang="zh-TW" altLang="en-US" sz="1700" dirty="0">
+              <a:solidFill>
+                <a:schemeClr val="tx1">
+                  <a:lumMod val="50000"/>
+                  <a:lumOff val="50000"/>
+                </a:schemeClr>
+              </a:solidFill>
+            </a:endParaRPr>
+          </a:p>
+        </p:txBody>
+      </p:sp>
+      <p:sp>
+        <p:nvSpPr>
+          <p:cNvPr id="4" name="投影片編號版面配置區 3"/>
+          <p:cNvSpPr>
+            <a:spLocks noGrp="1"/>
+          </p:cNvSpPr>
+          <p:nvPr>
+            <p:ph type="sldNum" sz="quarter" idx="12"/>
+          </p:nvPr>
+        </p:nvSpPr>
+        <p:spPr/>
+        <p:txBody>
+          <a:bodyPr/>
+          <a:lstStyle/>
+          <a:p>
+            <a:fld id="{ABDAC9F9-CB22-4C92-95F2-D67E6E197372}" type="slidenum">
+              <a:rPr lang="zh-TW" altLang="en-US" smtClean="0"/>
+              <a:t>6</a:t>
+            </a:fld>
+            <a:endParaRPr lang="zh-TW" altLang="en-US"/>
+          </a:p>
+        </p:txBody>
+      </p:sp>
+      <p:pic>
+        <p:nvPicPr>
+          <p:cNvPr id="5" name="圖片 4"/>
+          <p:cNvPicPr>
+            <a:picLocks noChangeAspect="1"/>
+          </p:cNvPicPr>
+          <p:nvPr/>
+        </p:nvPicPr>
+        <p:blipFill>
+          <a:blip r:embed="rId2"/>
+          <a:stretch>
+            <a:fillRect/>
+          </a:stretch>
+        </p:blipFill>
+        <p:spPr>
+          <a:xfrm>
+            <a:off x="296525" y="1401620"/>
+            <a:ext cx="5970974" cy="3320086"/>
+          </a:xfrm>
+          <a:prstGeom prst="rect">
+            <a:avLst/>
+          </a:prstGeom>
+          <a:ln>
+            <a:noFill/>
+          </a:ln>
+          <a:effectLst>
+            <a:outerShdw blurRad="292100" dist="139700" dir="2700000" algn="tl" rotWithShape="0">
+              <a:srgbClr val="333333">
+                <a:alpha val="65000"/>
+              </a:srgbClr>
+            </a:outerShdw>
+          </a:effectLst>
+        </p:spPr>
+      </p:pic>
+      <p:sp>
+        <p:nvSpPr>
+          <p:cNvPr id="6" name="矩形 5"/>
+          <p:cNvSpPr/>
+          <p:nvPr/>
+        </p:nvSpPr>
+        <p:spPr>
+          <a:xfrm>
+            <a:off x="206515" y="1491630"/>
+            <a:ext cx="2115235" cy="360040"/>
+          </a:xfrm>
+          <a:prstGeom prst="rect">
+            <a:avLst/>
+          </a:prstGeom>
+          <a:noFill/>
+          <a:ln>
+            <a:solidFill>
+              <a:srgbClr val="FF0000"/>
+            </a:solidFill>
+          </a:ln>
+        </p:spPr>
+        <p:style>
+          <a:lnRef idx="2">
+            <a:schemeClr val="accent1">
+              <a:shade val="50000"/>
+            </a:schemeClr>
+          </a:lnRef>
+          <a:fillRef idx="1">
+            <a:schemeClr val="accent1"/>
+          </a:fillRef>
+          <a:effectRef idx="0">
+            <a:schemeClr val="accent1"/>
+          </a:effectRef>
+          <a:fontRef idx="minor">
+            <a:schemeClr val="lt1"/>
+          </a:fontRef>
+        </p:style>
+        <p:txBody>
+          <a:bodyPr rtlCol="0" anchor="ctr"/>
+          <a:lstStyle/>
+          <a:p>
+            <a:pPr algn="ctr"/>
+            <a:endParaRPr lang="zh-TW" altLang="en-US"/>
+          </a:p>
+        </p:txBody>
+      </p:sp>
+    </p:spTree>
+    <p:extLst>
+      <p:ext uri="{BB962C8B-B14F-4D97-AF65-F5344CB8AC3E}">
+        <p14:creationId xmlns:p14="http://schemas.microsoft.com/office/powerpoint/2010/main" val="3175973717"/>
+      </p:ext>
+    </p:extLst>
+  </p:cSld>
+  <p:clrMapOvr>
+    <a:masterClrMapping/>
+  </p:clrMapOvr>
+  <p:timing>
+    <p:tnLst>
+      <p:par>
+        <p:cTn id="1" dur="indefinite" restart="never" nodeType="tmRoot"/>
+      </p:par>
+    </p:tnLst>
+  </p:timing>
+</p:sld>
+</file>
+
+<file path=ppt/slides/slide7.xml><?xml version="1.0" encoding="utf-8"?>
+<p:sld xmlns:a="http://schemas.openxmlformats.org/drawingml/2006/main" xmlns:r="http://schemas.openxmlformats.org/officeDocument/2006/relationships" xmlns:p="http://schemas.openxmlformats.org/presentationml/2006/main">
+  <p:cSld>
+    <p:spTree>
+      <p:nvGrpSpPr>
+        <p:cNvPr id="1" name=""/>
+        <p:cNvGrpSpPr/>
+        <p:nvPr/>
+      </p:nvGrpSpPr>
+      <p:grpSpPr>
+        <a:xfrm>
+          <a:off x="0" y="0"/>
+          <a:ext cx="0" cy="0"/>
+          <a:chOff x="0" y="0"/>
+          <a:chExt cx="0" cy="0"/>
+        </a:xfrm>
+      </p:grpSpPr>
+      <p:sp>
+        <p:nvSpPr>
+          <p:cNvPr id="2" name="標題 1"/>
+          <p:cNvSpPr>
+            <a:spLocks noGrp="1"/>
+          </p:cNvSpPr>
+          <p:nvPr>
+            <p:ph type="title"/>
+          </p:nvPr>
+        </p:nvSpPr>
+        <p:spPr/>
+        <p:txBody>
+          <a:bodyPr/>
+          <a:lstStyle/>
+          <a:p>
+            <a:r>
+              <a:rPr lang="en-US" altLang="zh-TW" dirty="0" smtClean="0"/>
+              <a:t>Install MySQL DB on NAS</a:t>
+            </a:r>
+            <a:br>
+              <a:rPr lang="en-US" altLang="zh-TW" dirty="0" smtClean="0"/>
+            </a:br>
+            <a:endParaRPr lang="zh-TW" altLang="en-US" dirty="0"/>
+          </a:p>
+        </p:txBody>
+      </p:sp>
+      <p:sp>
+        <p:nvSpPr>
+          <p:cNvPr id="4" name="投影片編號版面配置區 3"/>
+          <p:cNvSpPr>
+            <a:spLocks noGrp="1"/>
+          </p:cNvSpPr>
+          <p:nvPr>
+            <p:ph type="sldNum" sz="quarter" idx="12"/>
+          </p:nvPr>
+        </p:nvSpPr>
+        <p:spPr/>
+        <p:txBody>
+          <a:bodyPr/>
+          <a:lstStyle/>
+          <a:p>
+            <a:fld id="{ABDAC9F9-CB22-4C92-95F2-D67E6E197372}" type="slidenum">
+              <a:rPr lang="zh-TW" altLang="en-US" smtClean="0"/>
+              <a:t>7</a:t>
+            </a:fld>
+            <a:endParaRPr lang="zh-TW" altLang="en-US"/>
+          </a:p>
+        </p:txBody>
+      </p:sp>
+      <p:pic>
+        <p:nvPicPr>
+          <p:cNvPr id="5" name="圖片 4"/>
+          <p:cNvPicPr>
+            <a:picLocks noChangeAspect="1"/>
+          </p:cNvPicPr>
+          <p:nvPr/>
+        </p:nvPicPr>
+        <p:blipFill>
+          <a:blip r:embed="rId2"/>
+          <a:stretch>
+            <a:fillRect/>
+          </a:stretch>
+        </p:blipFill>
+        <p:spPr>
+          <a:xfrm>
+            <a:off x="2060579" y="1718734"/>
+            <a:ext cx="4993615" cy="3015335"/>
+          </a:xfrm>
+          <a:prstGeom prst="rect">
+            <a:avLst/>
+          </a:prstGeom>
+          <a:ln>
+            <a:noFill/>
+          </a:ln>
+          <a:effectLst>
+            <a:outerShdw blurRad="292100" dist="139700" dir="2700000" algn="tl" rotWithShape="0">
+              <a:srgbClr val="333333">
+                <a:alpha val="65000"/>
+              </a:srgbClr>
+            </a:outerShdw>
+          </a:effectLst>
+        </p:spPr>
+      </p:pic>
+      <p:sp>
+        <p:nvSpPr>
+          <p:cNvPr id="8" name="矩形 7"/>
+          <p:cNvSpPr/>
+          <p:nvPr/>
+        </p:nvSpPr>
+        <p:spPr>
+          <a:xfrm>
+            <a:off x="2951820" y="1272575"/>
+            <a:ext cx="3211135" cy="461665"/>
+          </a:xfrm>
+          <a:prstGeom prst="rect">
+            <a:avLst/>
+          </a:prstGeom>
+        </p:spPr>
+        <p:txBody>
+          <a:bodyPr wrap="none">
+            <a:spAutoFit/>
+          </a:bodyPr>
+          <a:lstStyle/>
+          <a:p>
+            <a:r>
+              <a:rPr lang="zh-TW" altLang="en-US" sz="2400" dirty="0" smtClean="0"/>
+              <a:t>有</a:t>
+            </a:r>
+            <a:r>
+              <a:rPr lang="zh-TW" altLang="en-US" sz="2400" dirty="0"/>
+              <a:t>望成為共用資料庫</a:t>
+            </a:r>
+            <a:r>
+              <a:rPr lang="en-US" altLang="zh-TW" sz="2400" dirty="0"/>
+              <a:t>!?</a:t>
+            </a:r>
+            <a:endParaRPr lang="zh-TW" altLang="en-US" sz="2400" dirty="0"/>
+          </a:p>
+        </p:txBody>
+      </p:sp>
+      <p:sp>
+        <p:nvSpPr>
+          <p:cNvPr id="9" name="矩形 8"/>
+          <p:cNvSpPr/>
+          <p:nvPr/>
+        </p:nvSpPr>
+        <p:spPr>
+          <a:xfrm>
+            <a:off x="3536886" y="2541493"/>
+            <a:ext cx="1260140" cy="705331"/>
+          </a:xfrm>
+          <a:prstGeom prst="rect">
+            <a:avLst/>
+          </a:prstGeom>
+          <a:noFill/>
+          <a:ln>
+            <a:solidFill>
+              <a:srgbClr val="FF0000"/>
+            </a:solidFill>
+          </a:ln>
+        </p:spPr>
+        <p:style>
+          <a:lnRef idx="2">
+            <a:schemeClr val="accent1">
+              <a:shade val="50000"/>
+            </a:schemeClr>
+          </a:lnRef>
+          <a:fillRef idx="1">
+            <a:schemeClr val="accent1"/>
+          </a:fillRef>
+          <a:effectRef idx="0">
+            <a:schemeClr val="accent1"/>
+          </a:effectRef>
+          <a:fontRef idx="minor">
+            <a:schemeClr val="lt1"/>
+          </a:fontRef>
+        </p:style>
+        <p:txBody>
+          <a:bodyPr rtlCol="0" anchor="ctr"/>
+          <a:lstStyle/>
+          <a:p>
+            <a:pPr algn="ctr"/>
+            <a:endParaRPr lang="zh-TW" altLang="en-US"/>
+          </a:p>
+        </p:txBody>
+      </p:sp>
+    </p:spTree>
+    <p:extLst>
+      <p:ext uri="{BB962C8B-B14F-4D97-AF65-F5344CB8AC3E}">
+        <p14:creationId xmlns:p14="http://schemas.microsoft.com/office/powerpoint/2010/main" val="4013996585"/>
+      </p:ext>
+    </p:extLst>
+  </p:cSld>
+  <p:clrMapOvr>
+    <a:masterClrMapping/>
+  </p:clrMapOvr>
+  <p:timing>
+    <p:tnLst>
+      <p:par>
+        <p:cTn id="1" dur="indefinite" restart="never" nodeType="tmRoot"/>
+      </p:par>
+    </p:tnLst>
+  </p:timing>
+</p:sld>
+</file>
+
+<file path=ppt/slides/slide8.xml><?xml version="1.0" encoding="utf-8"?>
+<p:sld xmlns:a="http://schemas.openxmlformats.org/drawingml/2006/main" xmlns:r="http://schemas.openxmlformats.org/officeDocument/2006/relationships" xmlns:p="http://schemas.openxmlformats.org/presentationml/2006/main">
+  <p:cSld>
+    <p:spTree>
+      <p:nvGrpSpPr>
+        <p:cNvPr id="1" name=""/>
+        <p:cNvGrpSpPr/>
+        <p:nvPr/>
+      </p:nvGrpSpPr>
+      <p:grpSpPr>
+        <a:xfrm>
+          <a:off x="0" y="0"/>
+          <a:ext cx="0" cy="0"/>
+          <a:chOff x="0" y="0"/>
+          <a:chExt cx="0" cy="0"/>
+        </a:xfrm>
+      </p:grpSpPr>
+      <p:sp>
+        <p:nvSpPr>
+          <p:cNvPr id="2" name="標題 1"/>
+          <p:cNvSpPr>
+            <a:spLocks noGrp="1"/>
+          </p:cNvSpPr>
+          <p:nvPr>
+            <p:ph type="title"/>
+          </p:nvPr>
+        </p:nvSpPr>
+        <p:spPr/>
+        <p:txBody>
+          <a:bodyPr/>
+          <a:lstStyle/>
+          <a:p>
+            <a:r>
+              <a:rPr lang="zh-TW" altLang="en-US" dirty="0" smtClean="0"/>
               <a:t>軟體工程概論</a:t>
             </a:r>
             <a:endParaRPr lang="zh-TW" altLang="en-US" dirty="0"/>
@@ -25589,7 +25833,7 @@
           <a:p>
             <a:fld id="{ABDAC9F9-CB22-4C92-95F2-D67E6E197372}" type="slidenum">
               <a:rPr lang="zh-TW" altLang="en-US" smtClean="0"/>
-              <a:t>5</a:t>
+              <a:t>8</a:t>
             </a:fld>
             <a:endParaRPr lang="zh-TW" altLang="en-US"/>
           </a:p>
@@ -25804,372 +26048,6 @@
 </p:sld>
 </file>
 
-<file path=ppt/slides/slide6.xml><?xml version="1.0" encoding="utf-8"?>
-<p:sld xmlns:a="http://schemas.openxmlformats.org/drawingml/2006/main" xmlns:r="http://schemas.openxmlformats.org/officeDocument/2006/relationships" xmlns:p="http://schemas.openxmlformats.org/presentationml/2006/main">
-  <p:cSld>
-    <p:spTree>
-      <p:nvGrpSpPr>
-        <p:cNvPr id="1" name=""/>
-        <p:cNvGrpSpPr/>
-        <p:nvPr/>
-      </p:nvGrpSpPr>
-      <p:grpSpPr>
-        <a:xfrm>
-          <a:off x="0" y="0"/>
-          <a:ext cx="0" cy="0"/>
-          <a:chOff x="0" y="0"/>
-          <a:chExt cx="0" cy="0"/>
-        </a:xfrm>
-      </p:grpSpPr>
-      <p:sp>
-        <p:nvSpPr>
-          <p:cNvPr id="2" name="標題 1"/>
-          <p:cNvSpPr>
-            <a:spLocks noGrp="1"/>
-          </p:cNvSpPr>
-          <p:nvPr>
-            <p:ph type="title"/>
-          </p:nvPr>
-        </p:nvSpPr>
-        <p:spPr/>
-        <p:txBody>
-          <a:bodyPr/>
-          <a:lstStyle/>
-          <a:p>
-            <a:endParaRPr lang="zh-TW" altLang="en-US"/>
-          </a:p>
-        </p:txBody>
-      </p:sp>
-      <p:sp>
-        <p:nvSpPr>
-          <p:cNvPr id="3" name="內容版面配置區 2"/>
-          <p:cNvSpPr>
-            <a:spLocks noGrp="1"/>
-          </p:cNvSpPr>
-          <p:nvPr>
-            <p:ph idx="1"/>
-          </p:nvPr>
-        </p:nvSpPr>
-        <p:spPr/>
-        <p:txBody>
-          <a:bodyPr/>
-          <a:lstStyle/>
-          <a:p>
-            <a:endParaRPr lang="zh-TW" altLang="en-US"/>
-          </a:p>
-        </p:txBody>
-      </p:sp>
-      <p:sp>
-        <p:nvSpPr>
-          <p:cNvPr id="4" name="投影片編號版面配置區 3"/>
-          <p:cNvSpPr>
-            <a:spLocks noGrp="1"/>
-          </p:cNvSpPr>
-          <p:nvPr>
-            <p:ph type="sldNum" sz="quarter" idx="12"/>
-          </p:nvPr>
-        </p:nvSpPr>
-        <p:spPr/>
-        <p:txBody>
-          <a:bodyPr/>
-          <a:lstStyle/>
-          <a:p>
-            <a:fld id="{ABDAC9F9-CB22-4C92-95F2-D67E6E197372}" type="slidenum">
-              <a:rPr lang="zh-TW" altLang="en-US" smtClean="0"/>
-              <a:t>6</a:t>
-            </a:fld>
-            <a:endParaRPr lang="zh-TW" altLang="en-US"/>
-          </a:p>
-        </p:txBody>
-      </p:sp>
-      <p:pic>
-        <p:nvPicPr>
-          <p:cNvPr id="5" name="圖片 4"/>
-          <p:cNvPicPr>
-            <a:picLocks noChangeAspect="1"/>
-          </p:cNvPicPr>
-          <p:nvPr/>
-        </p:nvPicPr>
-        <p:blipFill>
-          <a:blip r:embed="rId2"/>
-          <a:stretch>
-            <a:fillRect/>
-          </a:stretch>
-        </p:blipFill>
-        <p:spPr>
-          <a:xfrm>
-            <a:off x="1376645" y="1289685"/>
-            <a:ext cx="6073366" cy="3667330"/>
-          </a:xfrm>
-          <a:prstGeom prst="rect">
-            <a:avLst/>
-          </a:prstGeom>
-        </p:spPr>
-      </p:pic>
-    </p:spTree>
-    <p:extLst>
-      <p:ext uri="{BB962C8B-B14F-4D97-AF65-F5344CB8AC3E}">
-        <p14:creationId xmlns:p14="http://schemas.microsoft.com/office/powerpoint/2010/main" val="4013996585"/>
-      </p:ext>
-    </p:extLst>
-  </p:cSld>
-  <p:clrMapOvr>
-    <a:masterClrMapping/>
-  </p:clrMapOvr>
-  <p:timing>
-    <p:tnLst>
-      <p:par>
-        <p:cTn id="1" dur="indefinite" restart="never" nodeType="tmRoot"/>
-      </p:par>
-    </p:tnLst>
-  </p:timing>
-</p:sld>
-</file>
-
-<file path=ppt/slides/slide7.xml><?xml version="1.0" encoding="utf-8"?>
-<p:sld xmlns:a="http://schemas.openxmlformats.org/drawingml/2006/main" xmlns:r="http://schemas.openxmlformats.org/officeDocument/2006/relationships" xmlns:p="http://schemas.openxmlformats.org/presentationml/2006/main">
-  <p:cSld>
-    <p:spTree>
-      <p:nvGrpSpPr>
-        <p:cNvPr id="1" name=""/>
-        <p:cNvGrpSpPr/>
-        <p:nvPr/>
-      </p:nvGrpSpPr>
-      <p:grpSpPr>
-        <a:xfrm>
-          <a:off x="0" y="0"/>
-          <a:ext cx="0" cy="0"/>
-          <a:chOff x="0" y="0"/>
-          <a:chExt cx="0" cy="0"/>
-        </a:xfrm>
-      </p:grpSpPr>
-      <p:sp>
-        <p:nvSpPr>
-          <p:cNvPr id="2" name="標題 1"/>
-          <p:cNvSpPr>
-            <a:spLocks noGrp="1"/>
-          </p:cNvSpPr>
-          <p:nvPr>
-            <p:ph type="title"/>
-          </p:nvPr>
-        </p:nvSpPr>
-        <p:spPr/>
-        <p:txBody>
-          <a:bodyPr/>
-          <a:lstStyle/>
-          <a:p>
-            <a:endParaRPr lang="zh-TW" altLang="en-US"/>
-          </a:p>
-        </p:txBody>
-      </p:sp>
-      <p:sp>
-        <p:nvSpPr>
-          <p:cNvPr id="3" name="內容版面配置區 2"/>
-          <p:cNvSpPr>
-            <a:spLocks noGrp="1"/>
-          </p:cNvSpPr>
-          <p:nvPr>
-            <p:ph idx="1"/>
-          </p:nvPr>
-        </p:nvSpPr>
-        <p:spPr/>
-        <p:txBody>
-          <a:bodyPr/>
-          <a:lstStyle/>
-          <a:p>
-            <a:endParaRPr lang="zh-TW" altLang="en-US"/>
-          </a:p>
-        </p:txBody>
-      </p:sp>
-      <p:sp>
-        <p:nvSpPr>
-          <p:cNvPr id="4" name="投影片編號版面配置區 3"/>
-          <p:cNvSpPr>
-            <a:spLocks noGrp="1"/>
-          </p:cNvSpPr>
-          <p:nvPr>
-            <p:ph type="sldNum" sz="quarter" idx="12"/>
-          </p:nvPr>
-        </p:nvSpPr>
-        <p:spPr/>
-        <p:txBody>
-          <a:bodyPr/>
-          <a:lstStyle/>
-          <a:p>
-            <a:fld id="{ABDAC9F9-CB22-4C92-95F2-D67E6E197372}" type="slidenum">
-              <a:rPr lang="zh-TW" altLang="en-US" smtClean="0"/>
-              <a:t>7</a:t>
-            </a:fld>
-            <a:endParaRPr lang="zh-TW" altLang="en-US"/>
-          </a:p>
-        </p:txBody>
-      </p:sp>
-      <p:pic>
-        <p:nvPicPr>
-          <p:cNvPr id="5" name="圖片 4"/>
-          <p:cNvPicPr>
-            <a:picLocks noChangeAspect="1"/>
-          </p:cNvPicPr>
-          <p:nvPr/>
-        </p:nvPicPr>
-        <p:blipFill>
-          <a:blip r:embed="rId2"/>
-          <a:stretch>
-            <a:fillRect/>
-          </a:stretch>
-        </p:blipFill>
-        <p:spPr>
-          <a:xfrm>
-            <a:off x="1466655" y="411510"/>
-            <a:ext cx="5915060" cy="4346754"/>
-          </a:xfrm>
-          <a:prstGeom prst="rect">
-            <a:avLst/>
-          </a:prstGeom>
-        </p:spPr>
-      </p:pic>
-    </p:spTree>
-    <p:extLst>
-      <p:ext uri="{BB962C8B-B14F-4D97-AF65-F5344CB8AC3E}">
-        <p14:creationId xmlns:p14="http://schemas.microsoft.com/office/powerpoint/2010/main" val="1485629496"/>
-      </p:ext>
-    </p:extLst>
-  </p:cSld>
-  <p:clrMapOvr>
-    <a:masterClrMapping/>
-  </p:clrMapOvr>
-  <p:timing>
-    <p:tnLst>
-      <p:par>
-        <p:cTn id="1" dur="indefinite" restart="never" nodeType="tmRoot"/>
-      </p:par>
-    </p:tnLst>
-  </p:timing>
-</p:sld>
-</file>
-
-<file path=ppt/slides/slide8.xml><?xml version="1.0" encoding="utf-8"?>
-<p:sld xmlns:a="http://schemas.openxmlformats.org/drawingml/2006/main" xmlns:r="http://schemas.openxmlformats.org/officeDocument/2006/relationships" xmlns:p="http://schemas.openxmlformats.org/presentationml/2006/main">
-  <p:cSld>
-    <p:spTree>
-      <p:nvGrpSpPr>
-        <p:cNvPr id="1" name=""/>
-        <p:cNvGrpSpPr/>
-        <p:nvPr/>
-      </p:nvGrpSpPr>
-      <p:grpSpPr>
-        <a:xfrm>
-          <a:off x="0" y="0"/>
-          <a:ext cx="0" cy="0"/>
-          <a:chOff x="0" y="0"/>
-          <a:chExt cx="0" cy="0"/>
-        </a:xfrm>
-      </p:grpSpPr>
-      <p:sp>
-        <p:nvSpPr>
-          <p:cNvPr id="2" name="標題 1"/>
-          <p:cNvSpPr>
-            <a:spLocks noGrp="1"/>
-          </p:cNvSpPr>
-          <p:nvPr>
-            <p:ph type="title"/>
-          </p:nvPr>
-        </p:nvSpPr>
-        <p:spPr/>
-        <p:txBody>
-          <a:bodyPr/>
-          <a:lstStyle/>
-          <a:p>
-            <a:endParaRPr lang="zh-TW" altLang="en-US"/>
-          </a:p>
-        </p:txBody>
-      </p:sp>
-      <p:sp>
-        <p:nvSpPr>
-          <p:cNvPr id="3" name="內容版面配置區 2"/>
-          <p:cNvSpPr>
-            <a:spLocks noGrp="1"/>
-          </p:cNvSpPr>
-          <p:nvPr>
-            <p:ph idx="1"/>
-          </p:nvPr>
-        </p:nvSpPr>
-        <p:spPr/>
-        <p:txBody>
-          <a:bodyPr/>
-          <a:lstStyle/>
-          <a:p>
-            <a:endParaRPr lang="zh-TW" altLang="en-US"/>
-          </a:p>
-        </p:txBody>
-      </p:sp>
-      <p:sp>
-        <p:nvSpPr>
-          <p:cNvPr id="4" name="投影片編號版面配置區 3"/>
-          <p:cNvSpPr>
-            <a:spLocks noGrp="1"/>
-          </p:cNvSpPr>
-          <p:nvPr>
-            <p:ph type="sldNum" sz="quarter" idx="12"/>
-          </p:nvPr>
-        </p:nvSpPr>
-        <p:spPr/>
-        <p:txBody>
-          <a:bodyPr/>
-          <a:lstStyle/>
-          <a:p>
-            <a:fld id="{ABDAC9F9-CB22-4C92-95F2-D67E6E197372}" type="slidenum">
-              <a:rPr lang="zh-TW" altLang="en-US" smtClean="0"/>
-              <a:t>8</a:t>
-            </a:fld>
-            <a:endParaRPr lang="zh-TW" altLang="en-US"/>
-          </a:p>
-        </p:txBody>
-      </p:sp>
-      <p:pic>
-        <p:nvPicPr>
-          <p:cNvPr id="5" name="圖片 4"/>
-          <p:cNvPicPr>
-            <a:picLocks noChangeAspect="1"/>
-          </p:cNvPicPr>
-          <p:nvPr/>
-        </p:nvPicPr>
-        <p:blipFill>
-          <a:blip r:embed="rId2"/>
-          <a:stretch>
-            <a:fillRect/>
-          </a:stretch>
-        </p:blipFill>
-        <p:spPr>
-          <a:xfrm>
-            <a:off x="1376645" y="1564279"/>
-            <a:ext cx="5970974" cy="3320086"/>
-          </a:xfrm>
-          <a:prstGeom prst="rect">
-            <a:avLst/>
-          </a:prstGeom>
-        </p:spPr>
-      </p:pic>
-    </p:spTree>
-    <p:extLst>
-      <p:ext uri="{BB962C8B-B14F-4D97-AF65-F5344CB8AC3E}">
-        <p14:creationId xmlns:p14="http://schemas.microsoft.com/office/powerpoint/2010/main" val="3175973717"/>
-      </p:ext>
-    </p:extLst>
-  </p:cSld>
-  <p:clrMapOvr>
-    <a:masterClrMapping/>
-  </p:clrMapOvr>
-  <p:timing>
-    <p:tnLst>
-      <p:par>
-        <p:cTn id="1" dur="indefinite" restart="never" nodeType="tmRoot"/>
-      </p:par>
-    </p:tnLst>
-  </p:timing>
-</p:sld>
-</file>
-
 <file path=ppt/slides/slide9.xml><?xml version="1.0" encoding="utf-8"?>
 <p:sld xmlns:a="http://schemas.openxmlformats.org/drawingml/2006/main" xmlns:r="http://schemas.openxmlformats.org/officeDocument/2006/relationships" xmlns:p="http://schemas.openxmlformats.org/presentationml/2006/main">
   <p:cSld>
@@ -26266,22 +26144,13 @@
               <a:buChar char="•"/>
             </a:pPr>
             <a:r>
-              <a:rPr lang="en-US" altLang="zh-TW" sz="1200" dirty="0" smtClean="0">
+              <a:rPr lang="en-US" altLang="zh-TW" sz="1200" dirty="0">
                 <a:solidFill>
                   <a:prstClr val="black"/>
                 </a:solidFill>
                 <a:latin typeface="微軟正黑體" panose="020B0604030504040204" pitchFamily="34" charset="-120"/>
               </a:rPr>
-              <a:t>XML </a:t>
-            </a:r>
-            <a:r>
-              <a:rPr lang="zh-TW" altLang="en-US" sz="1200" dirty="0" smtClean="0">
-                <a:solidFill>
-                  <a:prstClr val="black"/>
-                </a:solidFill>
-                <a:latin typeface="微軟正黑體" panose="020B0604030504040204" pitchFamily="34" charset="-120"/>
-              </a:rPr>
-              <a:t>版本 </a:t>
+              <a:t>R</a:t>
             </a:r>
             <a:r>
               <a:rPr lang="en-US" altLang="zh-TW" sz="1200" dirty="0" smtClean="0">
@@ -26290,50 +26159,7 @@
                 </a:solidFill>
                 <a:latin typeface="微軟正黑體" panose="020B0604030504040204" pitchFamily="34" charset="-120"/>
               </a:rPr>
-              <a:t>to Linux</a:t>
-            </a:r>
-            <a:endParaRPr lang="en-US" altLang="zh-TW" sz="1200" dirty="0" smtClean="0">
-              <a:solidFill>
-                <a:schemeClr val="tx1"/>
-              </a:solidFill>
-              <a:latin typeface="微軟正黑體" panose="020B0604030504040204" pitchFamily="34" charset="-120"/>
-              <a:sym typeface="Wingdings" panose="05000000000000000000" pitchFamily="2" charset="2"/>
-            </a:endParaRPr>
-          </a:p>
-          <a:p>
-            <a:pPr marL="187325" lvl="1" indent="-187325">
-              <a:buFont typeface="Arial" pitchFamily="34" charset="0"/>
-              <a:buChar char="•"/>
-            </a:pPr>
-            <a:r>
-              <a:rPr lang="en-US" altLang="zh-TW" dirty="0" smtClean="0">
-                <a:solidFill>
-                  <a:schemeClr val="tx1">
-                    <a:lumMod val="75000"/>
-                    <a:lumOff val="25000"/>
-                  </a:schemeClr>
-                </a:solidFill>
-                <a:ea typeface="League Spartan" charset="0"/>
-                <a:cs typeface="Poppins Medium" pitchFamily="2" charset="77"/>
-              </a:rPr>
-              <a:t>MMFA System</a:t>
-            </a:r>
-            <a:endParaRPr lang="en-US" altLang="zh-TW" dirty="0" smtClean="0"/>
-          </a:p>
-          <a:p>
-            <a:pPr marL="587375" lvl="2" indent="-138113">
-              <a:buFont typeface="Arial" pitchFamily="34" charset="0"/>
-              <a:buChar char="•"/>
-            </a:pPr>
-            <a:r>
-              <a:rPr lang="en-US" altLang="zh-TW" sz="1200" dirty="0" smtClean="0">
-                <a:solidFill>
-                  <a:prstClr val="black"/>
-                </a:solidFill>
-                <a:latin typeface="微軟正黑體" panose="020B0604030504040204" pitchFamily="34" charset="-120"/>
-                <a:sym typeface="Wingdings" panose="05000000000000000000" pitchFamily="2" charset="2"/>
-              </a:rPr>
-              <a:t>GPU</a:t>
+              <a:t>un</a:t>
             </a:r>
             <a:r>
               <a:rPr lang="zh-TW" altLang="en-US" sz="1200" dirty="0" smtClean="0">
@@ -26341,7 +26167,6 @@
                   <a:prstClr val="black"/>
                 </a:solidFill>
                 <a:latin typeface="微軟正黑體" panose="020B0604030504040204" pitchFamily="34" charset="-120"/>
-                <a:sym typeface="Wingdings" panose="05000000000000000000" pitchFamily="2" charset="2"/>
               </a:rPr>
               <a:t> </a:t>
             </a:r>
@@ -26351,10 +26176,25 @@
                   <a:prstClr val="black"/>
                 </a:solidFill>
                 <a:latin typeface="微軟正黑體" panose="020B0604030504040204" pitchFamily="34" charset="-120"/>
-                <a:sym typeface="Wingdings" panose="05000000000000000000" pitchFamily="2" charset="2"/>
               </a:rPr>
-              <a:t>Resource Report for Linux </a:t>
+              <a:t>in </a:t>
             </a:r>
+            <a:r>
+              <a:rPr lang="en-US" altLang="zh-TW" sz="1200" dirty="0" smtClean="0">
+                <a:solidFill>
+                  <a:prstClr val="black"/>
+                </a:solidFill>
+                <a:latin typeface="微軟正黑體" panose="020B0604030504040204" pitchFamily="34" charset="-120"/>
+              </a:rPr>
+              <a:t>Linux</a:t>
+            </a:r>
+            <a:endParaRPr lang="en-US" altLang="zh-TW" sz="1200" dirty="0" smtClean="0">
+              <a:solidFill>
+                <a:schemeClr val="tx1"/>
+              </a:solidFill>
+              <a:latin typeface="微軟正黑體" panose="020B0604030504040204" pitchFamily="34" charset="-120"/>
+              <a:sym typeface="Wingdings" panose="05000000000000000000" pitchFamily="2" charset="2"/>
+            </a:endParaRPr>
           </a:p>
           <a:p>
             <a:pPr marL="187325" lvl="1" indent="-187325">
@@ -26374,6 +26214,16 @@
               </a:rPr>
               <a:t>Other</a:t>
             </a:r>
+            <a:endParaRPr lang="en-US" altLang="zh-TW" dirty="0" smtClean="0">
+              <a:solidFill>
+                <a:prstClr val="black">
+                  <a:lumMod val="75000"/>
+                  <a:lumOff val="25000"/>
+                </a:prstClr>
+              </a:solidFill>
+              <a:ea typeface="League Spartan" charset="0"/>
+              <a:cs typeface="Poppins Medium" pitchFamily="2" charset="77"/>
+            </a:endParaRPr>
           </a:p>
           <a:p>
             <a:pPr marL="587375" lvl="2" indent="-138113">
@@ -26388,7 +26238,47 @@
                 <a:latin typeface="微軟正黑體" panose="020B0604030504040204" pitchFamily="34" charset="-120"/>
                 <a:sym typeface="Wingdings" panose="05000000000000000000" pitchFamily="2" charset="2"/>
               </a:rPr>
-              <a:t>軟工課程洽談 </a:t>
+              <a:t>軟工課</a:t>
+            </a:r>
+            <a:r>
+              <a:rPr lang="zh-TW" altLang="en-US" sz="1200" dirty="0" smtClean="0">
+                <a:solidFill>
+                  <a:schemeClr val="tx1"/>
+                </a:solidFill>
+                <a:latin typeface="微軟正黑體" panose="020B0604030504040204" pitchFamily="34" charset="-120"/>
+                <a:sym typeface="Wingdings" panose="05000000000000000000" pitchFamily="2" charset="2"/>
+              </a:rPr>
+              <a:t>程</a:t>
+            </a:r>
+            <a:r>
+              <a:rPr lang="en-US" altLang="zh-TW" sz="1200" dirty="0">
+                <a:solidFill>
+                  <a:schemeClr val="tx1"/>
+                </a:solidFill>
+                <a:latin typeface="微軟正黑體" panose="020B0604030504040204" pitchFamily="34" charset="-120"/>
+                <a:sym typeface="Wingdings" panose="05000000000000000000" pitchFamily="2" charset="2"/>
+              </a:rPr>
+              <a:t> </a:t>
+            </a:r>
+            <a:r>
+              <a:rPr lang="en-US" altLang="zh-TW" sz="1200" dirty="0" smtClean="0">
+                <a:solidFill>
+                  <a:schemeClr val="tx1"/>
+                </a:solidFill>
+                <a:latin typeface="微軟正黑體" panose="020B0604030504040204" pitchFamily="34" charset="-120"/>
+                <a:sym typeface="Wingdings" panose="05000000000000000000" pitchFamily="2" charset="2"/>
+              </a:rPr>
+              <a:t>work</a:t>
+            </a:r>
+            <a:r>
+              <a:rPr lang="zh-TW" altLang="en-US" sz="1200" dirty="0" smtClean="0">
+                <a:solidFill>
+                  <a:schemeClr val="tx1"/>
+                </a:solidFill>
+                <a:latin typeface="微軟正黑體" panose="020B0604030504040204" pitchFamily="34" charset="-120"/>
+                <a:sym typeface="Wingdings" panose="05000000000000000000" pitchFamily="2" charset="2"/>
+              </a:rPr>
+              <a:t> </a:t>
             </a:r>
             <a:r>
               <a:rPr lang="en-US" altLang="zh-TW" sz="1200" dirty="0" smtClean="0">
@@ -26408,9 +26298,9 @@
                 <a:latin typeface="微軟正黑體" panose="020B0604030504040204" pitchFamily="34" charset="-120"/>
                 <a:sym typeface="Wingdings" panose="05000000000000000000" pitchFamily="2" charset="2"/>
               </a:rPr>
-              <a:t>中央鄭老師</a:t>
+              <a:t>鄭老師</a:t>
             </a:r>
-            <a:endParaRPr lang="en-US" altLang="zh-TW" sz="1200" dirty="0">
+            <a:endParaRPr lang="en-US" altLang="zh-TW" sz="1200" dirty="0" smtClean="0">
               <a:solidFill>
                 <a:schemeClr val="tx1"/>
               </a:solidFill>
@@ -26431,7 +26321,7 @@
                 <a:latin typeface="微軟正黑體" panose="020B0604030504040204" pitchFamily="34" charset="-120"/>
                 <a:sym typeface="Wingdings" panose="05000000000000000000" pitchFamily="2" charset="2"/>
               </a:rPr>
-              <a:t>GPU</a:t>
+              <a:t>GPU </a:t>
             </a:r>
             <a:r>
               <a:rPr lang="zh-TW" altLang="en-US" sz="1200" dirty="0" smtClean="0">
@@ -26443,7 +26333,7 @@
               </a:rPr>
               <a:t>設備洽談與購買</a:t>
             </a:r>
-            <a:endParaRPr lang="en-US" altLang="zh-TW" sz="1200" dirty="0">
+            <a:endParaRPr lang="en-US" altLang="zh-TW" sz="1200" dirty="0" smtClean="0">
               <a:solidFill>
                 <a:schemeClr val="tx1"/>
               </a:solidFill>
@@ -26464,7 +26354,17 @@
                 <a:latin typeface="微軟正黑體" panose="020B0604030504040204" pitchFamily="34" charset="-120"/>
                 <a:sym typeface="Wingdings" panose="05000000000000000000" pitchFamily="2" charset="2"/>
               </a:rPr>
-              <a:t>色偏需求協助</a:t>
+              <a:t>色</a:t>
+            </a:r>
+            <a:r>
+              <a:rPr lang="zh-TW" altLang="en-US" sz="1200" dirty="0" smtClean="0">
+                <a:solidFill>
+                  <a:schemeClr val="tx1"/>
+                </a:solidFill>
+                <a:latin typeface="微軟正黑體" panose="020B0604030504040204" pitchFamily="34" charset="-120"/>
+                <a:sym typeface="Wingdings" panose="05000000000000000000" pitchFamily="2" charset="2"/>
+              </a:rPr>
+              <a:t>偏需求協助</a:t>
             </a:r>
             <a:r>
               <a:rPr lang="en-US" altLang="zh-TW" sz="1200" dirty="0" smtClean="0">
@@ -26513,7 +26413,7 @@
           <a:p>
             <a:r>
               <a:rPr lang="en-US" altLang="zh-TW" dirty="0" smtClean="0"/>
-              <a:t>Doing</a:t>
+              <a:t>Doing &amp; Next</a:t>
             </a:r>
             <a:endParaRPr lang="en-US" altLang="zh-TW" dirty="0"/>
           </a:p>
